--- a/Документация/Презентация.pptx
+++ b/Документация/Презентация.pptx
@@ -17,7 +17,7 @@
     <p:sldId id="267" r:id="rId8"/>
     <p:sldId id="266" r:id="rId9"/>
     <p:sldId id="262" r:id="rId10"/>
-    <p:sldId id="264" r:id="rId11"/>
+    <p:sldId id="268" r:id="rId11"/>
   </p:sldIdLst>
   <p:sldSz cx="18288000" cy="10287000"/>
   <p:notesSz cx="6858000" cy="9144000"/>
@@ -50,10 +50,6 @@
     <p:embeddedFont>
       <p:font typeface="Manrope Light" pitchFamily="2" charset="0"/>
       <p:regular r:id="rId20"/>
-    </p:embeddedFont>
-    <p:embeddedFont>
-      <p:font typeface="Manrope Medium" pitchFamily="2" charset="0"/>
-      <p:regular r:id="rId21"/>
     </p:embeddedFont>
   </p:embeddedFontLst>
   <p:defaultTextStyle>
@@ -308,7 +304,7 @@
           <a:p>
             <a:fld id="{22CA1D80-96CC-4224-96A9-D6423758041C}" type="datetimeFigureOut">
               <a:rPr lang="ru-RU" smtClean="0"/>
-              <a:t>30.11.2025</a:t>
+              <a:t>08.12.2025</a:t>
             </a:fld>
             <a:endParaRPr lang="ru-RU"/>
           </a:p>
@@ -948,7 +944,7 @@
             <a:fld id="{1D8BD707-D9CF-40AE-B4C6-C98DA3205C09}" type="datetimeFigureOut">
               <a:rPr lang="en-US" smtClean="0"/>
               <a:pPr/>
-              <a:t>11/30/2025</a:t>
+              <a:t>12/8/2025</a:t>
             </a:fld>
             <a:endParaRPr lang="en-US"/>
           </a:p>
@@ -1002,13 +998,13 @@
   <p:clrMapOvr>
     <a:masterClrMapping/>
   </p:clrMapOvr>
-  <mc:AlternateContent xmlns:mc="http://schemas.openxmlformats.org/markup-compatibility/2006">
-    <mc:Choice xmlns:p14="http://schemas.microsoft.com/office/powerpoint/2010/main" Requires="p14">
+  <mc:AlternateContent xmlns:mc="http://schemas.openxmlformats.org/markup-compatibility/2006" xmlns:p14="http://schemas.microsoft.com/office/powerpoint/2010/main">
+    <mc:Choice Requires="p14">
       <p:transition p14:dur="300">
         <p14:pan/>
       </p:transition>
     </mc:Choice>
-    <mc:Fallback>
+    <mc:Fallback xmlns="">
       <p:transition>
         <p:fade/>
       </p:transition>
@@ -1125,7 +1121,7 @@
             <a:fld id="{1D8BD707-D9CF-40AE-B4C6-C98DA3205C09}" type="datetimeFigureOut">
               <a:rPr lang="en-US" smtClean="0"/>
               <a:pPr/>
-              <a:t>11/30/2025</a:t>
+              <a:t>12/8/2025</a:t>
             </a:fld>
             <a:endParaRPr lang="en-US"/>
           </a:p>
@@ -1179,13 +1175,13 @@
   <p:clrMapOvr>
     <a:masterClrMapping/>
   </p:clrMapOvr>
-  <mc:AlternateContent xmlns:mc="http://schemas.openxmlformats.org/markup-compatibility/2006">
-    <mc:Choice xmlns:p14="http://schemas.microsoft.com/office/powerpoint/2010/main" Requires="p14">
+  <mc:AlternateContent xmlns:mc="http://schemas.openxmlformats.org/markup-compatibility/2006" xmlns:p14="http://schemas.microsoft.com/office/powerpoint/2010/main">
+    <mc:Choice Requires="p14">
       <p:transition p14:dur="300">
         <p14:pan/>
       </p:transition>
     </mc:Choice>
-    <mc:Fallback>
+    <mc:Fallback xmlns="">
       <p:transition>
         <p:fade/>
       </p:transition>
@@ -1312,7 +1308,7 @@
             <a:fld id="{1D8BD707-D9CF-40AE-B4C6-C98DA3205C09}" type="datetimeFigureOut">
               <a:rPr lang="en-US" smtClean="0"/>
               <a:pPr/>
-              <a:t>11/30/2025</a:t>
+              <a:t>12/8/2025</a:t>
             </a:fld>
             <a:endParaRPr lang="en-US"/>
           </a:p>
@@ -1366,13 +1362,13 @@
   <p:clrMapOvr>
     <a:masterClrMapping/>
   </p:clrMapOvr>
-  <mc:AlternateContent xmlns:mc="http://schemas.openxmlformats.org/markup-compatibility/2006">
-    <mc:Choice xmlns:p14="http://schemas.microsoft.com/office/powerpoint/2010/main" Requires="p14">
+  <mc:AlternateContent xmlns:mc="http://schemas.openxmlformats.org/markup-compatibility/2006" xmlns:p14="http://schemas.microsoft.com/office/powerpoint/2010/main">
+    <mc:Choice Requires="p14">
       <p:transition p14:dur="300">
         <p14:pan/>
       </p:transition>
     </mc:Choice>
-    <mc:Fallback>
+    <mc:Fallback xmlns="">
       <p:transition>
         <p:fade/>
       </p:transition>
@@ -1489,7 +1485,7 @@
             <a:fld id="{1D8BD707-D9CF-40AE-B4C6-C98DA3205C09}" type="datetimeFigureOut">
               <a:rPr lang="en-US" smtClean="0"/>
               <a:pPr/>
-              <a:t>11/30/2025</a:t>
+              <a:t>12/8/2025</a:t>
             </a:fld>
             <a:endParaRPr lang="en-US"/>
           </a:p>
@@ -1543,13 +1539,13 @@
   <p:clrMapOvr>
     <a:masterClrMapping/>
   </p:clrMapOvr>
-  <mc:AlternateContent xmlns:mc="http://schemas.openxmlformats.org/markup-compatibility/2006">
-    <mc:Choice xmlns:p14="http://schemas.microsoft.com/office/powerpoint/2010/main" Requires="p14">
+  <mc:AlternateContent xmlns:mc="http://schemas.openxmlformats.org/markup-compatibility/2006" xmlns:p14="http://schemas.microsoft.com/office/powerpoint/2010/main">
+    <mc:Choice Requires="p14">
       <p:transition p14:dur="300">
         <p14:pan/>
       </p:transition>
     </mc:Choice>
-    <mc:Fallback>
+    <mc:Fallback xmlns="">
       <p:transition>
         <p:fade/>
       </p:transition>
@@ -1743,7 +1739,7 @@
             <a:fld id="{1D8BD707-D9CF-40AE-B4C6-C98DA3205C09}" type="datetimeFigureOut">
               <a:rPr lang="en-US" smtClean="0"/>
               <a:pPr/>
-              <a:t>11/30/2025</a:t>
+              <a:t>12/8/2025</a:t>
             </a:fld>
             <a:endParaRPr lang="en-US"/>
           </a:p>
@@ -1797,13 +1793,13 @@
   <p:clrMapOvr>
     <a:masterClrMapping/>
   </p:clrMapOvr>
-  <mc:AlternateContent xmlns:mc="http://schemas.openxmlformats.org/markup-compatibility/2006">
-    <mc:Choice xmlns:p14="http://schemas.microsoft.com/office/powerpoint/2010/main" Requires="p14">
+  <mc:AlternateContent xmlns:mc="http://schemas.openxmlformats.org/markup-compatibility/2006" xmlns:p14="http://schemas.microsoft.com/office/powerpoint/2010/main">
+    <mc:Choice Requires="p14">
       <p:transition p14:dur="300">
         <p14:pan/>
       </p:transition>
     </mc:Choice>
-    <mc:Fallback>
+    <mc:Fallback xmlns="">
       <p:transition>
         <p:fade/>
       </p:transition>
@@ -2037,7 +2033,7 @@
             <a:fld id="{1D8BD707-D9CF-40AE-B4C6-C98DA3205C09}" type="datetimeFigureOut">
               <a:rPr lang="en-US" smtClean="0"/>
               <a:pPr/>
-              <a:t>11/30/2025</a:t>
+              <a:t>12/8/2025</a:t>
             </a:fld>
             <a:endParaRPr lang="en-US"/>
           </a:p>
@@ -2091,13 +2087,13 @@
   <p:clrMapOvr>
     <a:masterClrMapping/>
   </p:clrMapOvr>
-  <mc:AlternateContent xmlns:mc="http://schemas.openxmlformats.org/markup-compatibility/2006">
-    <mc:Choice xmlns:p14="http://schemas.microsoft.com/office/powerpoint/2010/main" Requires="p14">
+  <mc:AlternateContent xmlns:mc="http://schemas.openxmlformats.org/markup-compatibility/2006" xmlns:p14="http://schemas.microsoft.com/office/powerpoint/2010/main">
+    <mc:Choice Requires="p14">
       <p:transition p14:dur="300">
         <p14:pan/>
       </p:transition>
     </mc:Choice>
-    <mc:Fallback>
+    <mc:Fallback xmlns="">
       <p:transition>
         <p:fade/>
       </p:transition>
@@ -2465,7 +2461,7 @@
             <a:fld id="{1D8BD707-D9CF-40AE-B4C6-C98DA3205C09}" type="datetimeFigureOut">
               <a:rPr lang="en-US" smtClean="0"/>
               <a:pPr/>
-              <a:t>11/30/2025</a:t>
+              <a:t>12/8/2025</a:t>
             </a:fld>
             <a:endParaRPr lang="en-US"/>
           </a:p>
@@ -2519,13 +2515,13 @@
   <p:clrMapOvr>
     <a:masterClrMapping/>
   </p:clrMapOvr>
-  <mc:AlternateContent xmlns:mc="http://schemas.openxmlformats.org/markup-compatibility/2006">
-    <mc:Choice xmlns:p14="http://schemas.microsoft.com/office/powerpoint/2010/main" Requires="p14">
+  <mc:AlternateContent xmlns:mc="http://schemas.openxmlformats.org/markup-compatibility/2006" xmlns:p14="http://schemas.microsoft.com/office/powerpoint/2010/main">
+    <mc:Choice Requires="p14">
       <p:transition p14:dur="300">
         <p14:pan/>
       </p:transition>
     </mc:Choice>
-    <mc:Fallback>
+    <mc:Fallback xmlns="">
       <p:transition>
         <p:fade/>
       </p:transition>
@@ -2591,7 +2587,7 @@
             <a:fld id="{1D8BD707-D9CF-40AE-B4C6-C98DA3205C09}" type="datetimeFigureOut">
               <a:rPr lang="en-US" smtClean="0"/>
               <a:pPr/>
-              <a:t>11/30/2025</a:t>
+              <a:t>12/8/2025</a:t>
             </a:fld>
             <a:endParaRPr lang="en-US"/>
           </a:p>
@@ -2645,13 +2641,13 @@
   <p:clrMapOvr>
     <a:masterClrMapping/>
   </p:clrMapOvr>
-  <mc:AlternateContent xmlns:mc="http://schemas.openxmlformats.org/markup-compatibility/2006">
-    <mc:Choice xmlns:p14="http://schemas.microsoft.com/office/powerpoint/2010/main" Requires="p14">
+  <mc:AlternateContent xmlns:mc="http://schemas.openxmlformats.org/markup-compatibility/2006" xmlns:p14="http://schemas.microsoft.com/office/powerpoint/2010/main">
+    <mc:Choice Requires="p14">
       <p:transition p14:dur="300">
         <p14:pan/>
       </p:transition>
     </mc:Choice>
-    <mc:Fallback>
+    <mc:Fallback xmlns="">
       <p:transition>
         <p:fade/>
       </p:transition>
@@ -2695,7 +2691,7 @@
             <a:fld id="{1D8BD707-D9CF-40AE-B4C6-C98DA3205C09}" type="datetimeFigureOut">
               <a:rPr lang="en-US" smtClean="0"/>
               <a:pPr/>
-              <a:t>11/30/2025</a:t>
+              <a:t>12/8/2025</a:t>
             </a:fld>
             <a:endParaRPr lang="en-US"/>
           </a:p>
@@ -2749,13 +2745,13 @@
   <p:clrMapOvr>
     <a:masterClrMapping/>
   </p:clrMapOvr>
-  <mc:AlternateContent xmlns:mc="http://schemas.openxmlformats.org/markup-compatibility/2006">
-    <mc:Choice xmlns:p14="http://schemas.microsoft.com/office/powerpoint/2010/main" Requires="p14">
+  <mc:AlternateContent xmlns:mc="http://schemas.openxmlformats.org/markup-compatibility/2006" xmlns:p14="http://schemas.microsoft.com/office/powerpoint/2010/main">
+    <mc:Choice Requires="p14">
       <p:transition p14:dur="300">
         <p14:pan/>
       </p:transition>
     </mc:Choice>
-    <mc:Fallback>
+    <mc:Fallback xmlns="">
       <p:transition>
         <p:fade/>
       </p:transition>
@@ -2979,7 +2975,7 @@
             <a:fld id="{1D8BD707-D9CF-40AE-B4C6-C98DA3205C09}" type="datetimeFigureOut">
               <a:rPr lang="en-US" smtClean="0"/>
               <a:pPr/>
-              <a:t>11/30/2025</a:t>
+              <a:t>12/8/2025</a:t>
             </a:fld>
             <a:endParaRPr lang="en-US"/>
           </a:p>
@@ -3033,13 +3029,13 @@
   <p:clrMapOvr>
     <a:masterClrMapping/>
   </p:clrMapOvr>
-  <mc:AlternateContent xmlns:mc="http://schemas.openxmlformats.org/markup-compatibility/2006">
-    <mc:Choice xmlns:p14="http://schemas.microsoft.com/office/powerpoint/2010/main" Requires="p14">
+  <mc:AlternateContent xmlns:mc="http://schemas.openxmlformats.org/markup-compatibility/2006" xmlns:p14="http://schemas.microsoft.com/office/powerpoint/2010/main">
+    <mc:Choice Requires="p14">
       <p:transition p14:dur="300">
         <p14:pan/>
       </p:transition>
     </mc:Choice>
-    <mc:Fallback>
+    <mc:Fallback xmlns="">
       <p:transition>
         <p:fade/>
       </p:transition>
@@ -3240,7 +3236,7 @@
             <a:fld id="{1D8BD707-D9CF-40AE-B4C6-C98DA3205C09}" type="datetimeFigureOut">
               <a:rPr lang="en-US" smtClean="0"/>
               <a:pPr/>
-              <a:t>11/30/2025</a:t>
+              <a:t>12/8/2025</a:t>
             </a:fld>
             <a:endParaRPr lang="en-US"/>
           </a:p>
@@ -3294,13 +3290,13 @@
   <p:clrMapOvr>
     <a:masterClrMapping/>
   </p:clrMapOvr>
-  <mc:AlternateContent xmlns:mc="http://schemas.openxmlformats.org/markup-compatibility/2006">
-    <mc:Choice xmlns:p14="http://schemas.microsoft.com/office/powerpoint/2010/main" Requires="p14">
+  <mc:AlternateContent xmlns:mc="http://schemas.openxmlformats.org/markup-compatibility/2006" xmlns:p14="http://schemas.microsoft.com/office/powerpoint/2010/main">
+    <mc:Choice Requires="p14">
       <p:transition p14:dur="300">
         <p14:pan/>
       </p:transition>
     </mc:Choice>
-    <mc:Fallback>
+    <mc:Fallback xmlns="">
       <p:transition>
         <p:fade/>
       </p:transition>
@@ -3313,9 +3309,39 @@
 <p:sldMaster xmlns:a="http://schemas.openxmlformats.org/drawingml/2006/main" xmlns:r="http://schemas.openxmlformats.org/officeDocument/2006/relationships" xmlns:p="http://schemas.openxmlformats.org/presentationml/2006/main">
   <p:cSld>
     <p:bg>
-      <p:bgRef idx="1001">
-        <a:schemeClr val="bg1"/>
-      </p:bgRef>
+      <p:bgPr>
+        <a:gradFill flip="none" rotWithShape="1">
+          <a:gsLst>
+            <a:gs pos="0">
+              <a:schemeClr val="accent1">
+                <a:lumMod val="92000"/>
+                <a:lumOff val="8000"/>
+              </a:schemeClr>
+            </a:gs>
+            <a:gs pos="39000">
+              <a:schemeClr val="accent1">
+                <a:lumMod val="97000"/>
+                <a:lumOff val="3000"/>
+              </a:schemeClr>
+            </a:gs>
+            <a:gs pos="82000">
+              <a:schemeClr val="accent1">
+                <a:lumMod val="92000"/>
+                <a:lumOff val="8000"/>
+              </a:schemeClr>
+            </a:gs>
+            <a:gs pos="100000">
+              <a:schemeClr val="accent1">
+                <a:lumMod val="52000"/>
+                <a:lumOff val="48000"/>
+              </a:schemeClr>
+            </a:gs>
+          </a:gsLst>
+          <a:lin ang="5400000" scaled="1"/>
+          <a:tileRect/>
+        </a:gradFill>
+        <a:effectLst/>
+      </p:bgPr>
     </p:bg>
     <p:spTree>
       <p:nvGrpSpPr>
@@ -3460,7 +3486,7 @@
             <a:fld id="{1D8BD707-D9CF-40AE-B4C6-C98DA3205C09}" type="datetimeFigureOut">
               <a:rPr lang="en-US" smtClean="0"/>
               <a:pPr/>
-              <a:t>11/30/2025</a:t>
+              <a:t>12/8/2025</a:t>
             </a:fld>
             <a:endParaRPr lang="en-US"/>
           </a:p>
@@ -3561,13 +3587,13 @@
     <p:sldLayoutId id="2147483658" r:id="rId10"/>
     <p:sldLayoutId id="2147483659" r:id="rId11"/>
   </p:sldLayoutIdLst>
-  <mc:AlternateContent xmlns:mc="http://schemas.openxmlformats.org/markup-compatibility/2006">
-    <mc:Choice xmlns:p14="http://schemas.microsoft.com/office/powerpoint/2010/main" Requires="p14">
+  <mc:AlternateContent xmlns:mc="http://schemas.openxmlformats.org/markup-compatibility/2006" xmlns:p14="http://schemas.microsoft.com/office/powerpoint/2010/main">
+    <mc:Choice Requires="p14">
       <p:transition p14:dur="300">
         <p14:pan/>
       </p:transition>
     </mc:Choice>
-    <mc:Fallback>
+    <mc:Fallback xmlns="">
       <p:transition>
         <p:fade/>
       </p:transition>
@@ -3829,28 +3855,6 @@
 <file path=ppt/slides/slide1.xml><?xml version="1.0" encoding="utf-8"?>
 <p:sld xmlns:a="http://schemas.openxmlformats.org/drawingml/2006/main" xmlns:r="http://schemas.openxmlformats.org/officeDocument/2006/relationships" xmlns:p="http://schemas.openxmlformats.org/presentationml/2006/main">
   <p:cSld>
-    <p:bg>
-      <p:bgPr>
-        <a:gradFill rotWithShape="1">
-          <a:gsLst>
-            <a:gs pos="0">
-              <a:srgbClr val="23688F">
-                <a:alpha val="100000"/>
-              </a:srgbClr>
-            </a:gs>
-            <a:gs pos="100000">
-              <a:srgbClr val="0F5EA6">
-                <a:alpha val="100000"/>
-              </a:srgbClr>
-            </a:gs>
-          </a:gsLst>
-          <a:path path="circle">
-            <a:fillToRect l="50000" t="50000" r="50000" b="50000"/>
-          </a:path>
-        </a:gradFill>
-        <a:effectLst/>
-      </p:bgPr>
-    </p:bg>
     <p:spTree>
       <p:nvGrpSpPr>
         <p:cNvPr id="1" name=""/>
@@ -3879,8 +3883,8 @@
         </p:nvSpPr>
         <p:spPr>
           <a:xfrm>
-            <a:off x="7989198" y="7658100"/>
-            <a:ext cx="241548" cy="838200"/>
+            <a:off x="8837350" y="7658100"/>
+            <a:ext cx="259449" cy="1295400"/>
           </a:xfrm>
           <a:prstGeom prst="roundRect">
             <a:avLst/>
@@ -3935,8 +3939,8 @@
         </p:nvSpPr>
         <p:spPr>
           <a:xfrm>
-            <a:off x="653949" y="7658100"/>
-            <a:ext cx="241548" cy="838200"/>
+            <a:off x="653948" y="7658100"/>
+            <a:ext cx="259449" cy="1295400"/>
           </a:xfrm>
           <a:prstGeom prst="roundRect">
             <a:avLst/>
@@ -3988,7 +3992,7 @@
         <p:spPr>
           <a:xfrm>
             <a:off x="768251" y="7658100"/>
-            <a:ext cx="7372201" cy="838200"/>
+            <a:ext cx="8147149" cy="1295400"/>
           </a:xfrm>
           <a:prstGeom prst="rect">
             <a:avLst/>
@@ -4033,8 +4037,8 @@
         </p:nvGrpSpPr>
         <p:grpSpPr>
           <a:xfrm>
-            <a:off x="0" y="-98064"/>
-            <a:ext cx="18288000" cy="2170351"/>
+            <a:off x="0" y="1082371"/>
+            <a:ext cx="18288000" cy="1742292"/>
             <a:chOff x="0" y="-28575"/>
             <a:chExt cx="4816593" cy="571615"/>
           </a:xfrm>
@@ -4150,149 +4154,92 @@
           </p:txBody>
         </p:sp>
       </p:grpSp>
-      <p:grpSp>
-        <p:nvGrpSpPr>
-          <p:cNvPr id="24" name="Group 9">
+      <p:sp>
+        <p:nvSpPr>
+          <p:cNvPr id="25" name="Freeform 10">
             <a:extLst>
               <a:ext uri="{FF2B5EF4-FFF2-40B4-BE49-F238E27FC236}">
-                <a16:creationId xmlns:a16="http://schemas.microsoft.com/office/drawing/2014/main" id="{D376A84A-BC3A-6CB9-AC86-932AE038D881}"/>
+                <a16:creationId xmlns:a16="http://schemas.microsoft.com/office/drawing/2014/main" id="{2886DEC0-6171-8C8A-918A-21F3EA43A73A}"/>
               </a:ext>
             </a:extLst>
           </p:cNvPr>
-          <p:cNvGrpSpPr/>
+          <p:cNvSpPr/>
           <p:nvPr/>
-        </p:nvGrpSpPr>
-        <p:grpSpPr>
-          <a:xfrm>
-            <a:off x="-4" y="-238328"/>
-            <a:ext cx="18288004" cy="2230517"/>
-            <a:chOff x="0" y="-28575"/>
-            <a:chExt cx="4816593" cy="571615"/>
-          </a:xfrm>
+        </p:nvSpPr>
+        <p:spPr>
+          <a:xfrm>
+            <a:off x="-4" y="-126825"/>
+            <a:ext cx="18288000" cy="2801926"/>
+          </a:xfrm>
+          <a:custGeom>
+            <a:avLst/>
+            <a:gdLst/>
+            <a:ahLst/>
+            <a:cxnLst/>
+            <a:rect l="l" t="t" r="r" b="b"/>
+            <a:pathLst>
+              <a:path w="4816592" h="543040">
+                <a:moveTo>
+                  <a:pt x="7197" y="0"/>
+                </a:moveTo>
+                <a:lnTo>
+                  <a:pt x="4809396" y="0"/>
+                </a:lnTo>
+                <a:cubicBezTo>
+                  <a:pt x="4811304" y="0"/>
+                  <a:pt x="4813135" y="758"/>
+                  <a:pt x="4814484" y="2108"/>
+                </a:cubicBezTo>
+                <a:cubicBezTo>
+                  <a:pt x="4815834" y="3457"/>
+                  <a:pt x="4816592" y="5288"/>
+                  <a:pt x="4816592" y="7197"/>
+                </a:cubicBezTo>
+                <a:lnTo>
+                  <a:pt x="4816592" y="535844"/>
+                </a:lnTo>
+                <a:cubicBezTo>
+                  <a:pt x="4816592" y="539818"/>
+                  <a:pt x="4813371" y="543040"/>
+                  <a:pt x="4809396" y="543040"/>
+                </a:cubicBezTo>
+                <a:lnTo>
+                  <a:pt x="7197" y="543040"/>
+                </a:lnTo>
+                <a:cubicBezTo>
+                  <a:pt x="3222" y="543040"/>
+                  <a:pt x="0" y="539818"/>
+                  <a:pt x="0" y="535844"/>
+                </a:cubicBezTo>
+                <a:lnTo>
+                  <a:pt x="0" y="7197"/>
+                </a:lnTo>
+                <a:cubicBezTo>
+                  <a:pt x="0" y="3222"/>
+                  <a:pt x="3222" y="0"/>
+                  <a:pt x="7197" y="0"/>
+                </a:cubicBezTo>
+                <a:close/>
+              </a:path>
+            </a:pathLst>
+          </a:custGeom>
           <a:solidFill>
-            <a:schemeClr val="bg1"/>
+            <a:srgbClr val="EBEBEB"/>
           </a:solidFill>
-        </p:grpSpPr>
-        <p:sp>
-          <p:nvSpPr>
-            <p:cNvPr id="25" name="Freeform 10">
-              <a:extLst>
-                <a:ext uri="{FF2B5EF4-FFF2-40B4-BE49-F238E27FC236}">
-                  <a16:creationId xmlns:a16="http://schemas.microsoft.com/office/drawing/2014/main" id="{2886DEC0-6171-8C8A-918A-21F3EA43A73A}"/>
-                </a:ext>
-              </a:extLst>
-            </p:cNvPr>
-            <p:cNvSpPr/>
-            <p:nvPr/>
-          </p:nvSpPr>
-          <p:spPr>
-            <a:xfrm>
-              <a:off x="0" y="0"/>
-              <a:ext cx="4816592" cy="543040"/>
-            </a:xfrm>
-            <a:custGeom>
-              <a:avLst/>
-              <a:gdLst/>
-              <a:ahLst/>
-              <a:cxnLst/>
-              <a:rect l="l" t="t" r="r" b="b"/>
-              <a:pathLst>
-                <a:path w="4816592" h="543040">
-                  <a:moveTo>
-                    <a:pt x="7197" y="0"/>
-                  </a:moveTo>
-                  <a:lnTo>
-                    <a:pt x="4809396" y="0"/>
-                  </a:lnTo>
-                  <a:cubicBezTo>
-                    <a:pt x="4811304" y="0"/>
-                    <a:pt x="4813135" y="758"/>
-                    <a:pt x="4814484" y="2108"/>
-                  </a:cubicBezTo>
-                  <a:cubicBezTo>
-                    <a:pt x="4815834" y="3457"/>
-                    <a:pt x="4816592" y="5288"/>
-                    <a:pt x="4816592" y="7197"/>
-                  </a:cubicBezTo>
-                  <a:lnTo>
-                    <a:pt x="4816592" y="535844"/>
-                  </a:lnTo>
-                  <a:cubicBezTo>
-                    <a:pt x="4816592" y="539818"/>
-                    <a:pt x="4813371" y="543040"/>
-                    <a:pt x="4809396" y="543040"/>
-                  </a:cubicBezTo>
-                  <a:lnTo>
-                    <a:pt x="7197" y="543040"/>
-                  </a:lnTo>
-                  <a:cubicBezTo>
-                    <a:pt x="3222" y="543040"/>
-                    <a:pt x="0" y="539818"/>
-                    <a:pt x="0" y="535844"/>
-                  </a:cubicBezTo>
-                  <a:lnTo>
-                    <a:pt x="0" y="7197"/>
-                  </a:lnTo>
-                  <a:cubicBezTo>
-                    <a:pt x="0" y="3222"/>
-                    <a:pt x="3222" y="0"/>
-                    <a:pt x="7197" y="0"/>
-                  </a:cubicBezTo>
-                  <a:close/>
-                </a:path>
-              </a:pathLst>
-            </a:custGeom>
-            <a:grpFill/>
-            <a:ln cap="sq">
-              <a:noFill/>
-              <a:prstDash val="solid"/>
-              <a:miter/>
-            </a:ln>
-          </p:spPr>
-          <p:txBody>
-            <a:bodyPr/>
-            <a:lstStyle/>
-            <a:p>
-              <a:endParaRPr lang="ru-RU"/>
-            </a:p>
-          </p:txBody>
-        </p:sp>
-        <p:sp>
-          <p:nvSpPr>
-            <p:cNvPr id="26" name="TextBox 11">
-              <a:extLst>
-                <a:ext uri="{FF2B5EF4-FFF2-40B4-BE49-F238E27FC236}">
-                  <a16:creationId xmlns:a16="http://schemas.microsoft.com/office/drawing/2014/main" id="{F126B87B-48A2-F43E-98C0-46A7BD2FFE32}"/>
-                </a:ext>
-              </a:extLst>
-            </p:cNvPr>
-            <p:cNvSpPr txBox="1"/>
-            <p:nvPr/>
-          </p:nvSpPr>
-          <p:spPr>
-            <a:xfrm>
-              <a:off x="0" y="-28575"/>
-              <a:ext cx="4816593" cy="571615"/>
-            </a:xfrm>
-            <a:prstGeom prst="rect">
-              <a:avLst/>
-            </a:prstGeom>
-            <a:grpFill/>
-          </p:spPr>
-          <p:txBody>
-            <a:bodyPr lIns="50800" tIns="50800" rIns="50800" bIns="50800" rtlCol="0" anchor="ctr"/>
-            <a:lstStyle/>
-            <a:p>
-              <a:pPr algn="ctr">
-                <a:lnSpc>
-                  <a:spcPts val="2747"/>
-                </a:lnSpc>
-              </a:pPr>
-              <a:endParaRPr/>
-            </a:p>
-          </p:txBody>
-        </p:sp>
-      </p:grpSp>
+          <a:ln cap="sq">
+            <a:noFill/>
+            <a:prstDash val="solid"/>
+            <a:miter/>
+          </a:ln>
+        </p:spPr>
+        <p:txBody>
+          <a:bodyPr/>
+          <a:lstStyle/>
+          <a:p>
+            <a:endParaRPr lang="ru-RU"/>
+          </a:p>
+        </p:txBody>
+      </p:sp>
       <p:sp>
         <p:nvSpPr>
           <p:cNvPr id="4" name="TextBox 4"/>
@@ -4301,8 +4248,8 @@
         </p:nvSpPr>
         <p:spPr>
           <a:xfrm>
-            <a:off x="785474" y="6784628"/>
-            <a:ext cx="7748926" cy="2549872"/>
+            <a:off x="785473" y="6784628"/>
+            <a:ext cx="8358527" cy="2994538"/>
           </a:xfrm>
           <a:prstGeom prst="rect">
             <a:avLst/>
@@ -4316,16 +4263,25 @@
           <a:lstStyle/>
           <a:p>
             <a:r>
-              <a:rPr lang="en-US" sz="2000" dirty="0">
+              <a:rPr lang="ru-RU" sz="2400" dirty="0">
                 <a:latin typeface="Manrope ExtraLight" pitchFamily="2" charset="0"/>
                 <a:ea typeface="Aileron Bold"/>
                 <a:cs typeface="Aileron Bold"/>
                 <a:sym typeface="Aileron Bold"/>
               </a:rPr>
-              <a:t>СТУДЕНТ ГРУППЫ ИСПП-35: </a:t>
-            </a:r>
-            <a:r>
-              <a:rPr lang="ru-RU" sz="2000" dirty="0">
+              <a:t>Студент группы </a:t>
+            </a:r>
+            <a:r>
+              <a:rPr lang="en-US" sz="2400" dirty="0">
+                <a:latin typeface="Manrope ExtraLight" pitchFamily="2" charset="0"/>
+                <a:ea typeface="Aileron Bold"/>
+                <a:cs typeface="Aileron Bold"/>
+                <a:sym typeface="Aileron Bold"/>
+              </a:rPr>
+              <a:t>ИСПП-35:</a:t>
+            </a:r>
+            <a:r>
+              <a:rPr lang="ru-RU" sz="2400" dirty="0">
                 <a:latin typeface="Manrope ExtraLight" pitchFamily="2" charset="0"/>
                 <a:ea typeface="Aileron Bold"/>
                 <a:cs typeface="Aileron Bold"/>
@@ -4333,7 +4289,7 @@
               </a:rPr>
               <a:t>Горелкин Андрей Вячеславович</a:t>
             </a:r>
-            <a:endParaRPr lang="en-US" sz="2000" dirty="0">
+            <a:endParaRPr lang="en-US" sz="2400" dirty="0">
               <a:latin typeface="Manrope ExtraLight" pitchFamily="2" charset="0"/>
               <a:ea typeface="Aileron Bold"/>
               <a:cs typeface="Aileron Bold"/>
@@ -4347,7 +4303,7 @@
               </a:spcBef>
             </a:pPr>
             <a:r>
-              <a:rPr lang="ru-RU" sz="2000" dirty="0">
+              <a:rPr lang="ru-RU" sz="2400" dirty="0">
                 <a:latin typeface="Manrope ExtraLight" pitchFamily="2" charset="0"/>
                 <a:ea typeface="Aileron Bold"/>
                 <a:cs typeface="Aileron Bold"/>
@@ -4356,7 +4312,7 @@
               <a:t>Руководитель</a:t>
             </a:r>
             <a:r>
-              <a:rPr lang="en-US" sz="2000" dirty="0">
+              <a:rPr lang="en-US" sz="2400" dirty="0">
                 <a:latin typeface="Manrope ExtraLight" pitchFamily="2" charset="0"/>
                 <a:ea typeface="Aileron Bold"/>
                 <a:cs typeface="Aileron Bold"/>
@@ -4365,7 +4321,7 @@
               <a:t>: М</a:t>
             </a:r>
             <a:r>
-              <a:rPr lang="ru-RU" sz="2000" dirty="0">
+              <a:rPr lang="ru-RU" sz="2400" dirty="0">
                 <a:latin typeface="Manrope ExtraLight" pitchFamily="2" charset="0"/>
                 <a:ea typeface="Aileron Bold"/>
                 <a:cs typeface="Aileron Bold"/>
@@ -4374,7 +4330,7 @@
               <a:t>аломан</a:t>
             </a:r>
             <a:r>
-              <a:rPr lang="en-US" sz="2000" dirty="0">
+              <a:rPr lang="en-US" sz="2400" dirty="0">
                 <a:latin typeface="Manrope ExtraLight" pitchFamily="2" charset="0"/>
                 <a:ea typeface="Aileron Bold"/>
                 <a:cs typeface="Aileron Bold"/>
@@ -4383,7 +4339,7 @@
               <a:t> Ю</a:t>
             </a:r>
             <a:r>
-              <a:rPr lang="ru-RU" sz="2000" dirty="0">
+              <a:rPr lang="ru-RU" sz="2400" dirty="0">
                 <a:latin typeface="Manrope ExtraLight" pitchFamily="2" charset="0"/>
                 <a:ea typeface="Aileron Bold"/>
                 <a:cs typeface="Aileron Bold"/>
@@ -4392,7 +4348,7 @@
               <a:t>лия</a:t>
             </a:r>
             <a:r>
-              <a:rPr lang="en-US" sz="2000" dirty="0">
+              <a:rPr lang="en-US" sz="2400" dirty="0">
                 <a:latin typeface="Manrope ExtraLight" pitchFamily="2" charset="0"/>
                 <a:ea typeface="Aileron Bold"/>
                 <a:cs typeface="Aileron Bold"/>
@@ -4401,7 +4357,7 @@
               <a:t> </a:t>
             </a:r>
             <a:r>
-              <a:rPr lang="ru-RU" sz="2000" dirty="0">
+              <a:rPr lang="ru-RU" sz="2400" dirty="0">
                 <a:latin typeface="Manrope ExtraLight" pitchFamily="2" charset="0"/>
                 <a:ea typeface="Aileron Bold"/>
                 <a:cs typeface="Aileron Bold"/>
@@ -4409,7 +4365,7 @@
               </a:rPr>
               <a:t>Сергеевна</a:t>
             </a:r>
-            <a:endParaRPr lang="en-US" sz="2000" dirty="0">
+            <a:endParaRPr lang="en-US" sz="2400" dirty="0">
               <a:latin typeface="Manrope ExtraLight" pitchFamily="2" charset="0"/>
               <a:ea typeface="Aileron Bold"/>
               <a:cs typeface="Aileron Bold"/>
@@ -4426,7 +4382,7 @@
         </p:nvSpPr>
         <p:spPr>
           <a:xfrm>
-            <a:off x="652905" y="3315226"/>
+            <a:off x="652905" y="3732956"/>
             <a:ext cx="16717051" cy="2994538"/>
           </a:xfrm>
           <a:prstGeom prst="rect">
@@ -4447,7 +4403,7 @@
             <a:r>
               <a:rPr lang="en-US" sz="6944" b="1" spc="-381" dirty="0">
                 <a:solidFill>
-                  <a:srgbClr val="FFFFFF"/>
+                  <a:srgbClr val="F8F8F8"/>
                 </a:solidFill>
                 <a:latin typeface="Manrope" pitchFamily="2" charset="0"/>
                 <a:ea typeface="Agrandir Bold"/>
@@ -4465,7 +4421,7 @@
             </a:pPr>
             <a:endParaRPr lang="en-US" sz="6944" b="1" spc="-381" dirty="0">
               <a:solidFill>
-                <a:srgbClr val="FFFFFF"/>
+                <a:srgbClr val="F8F8F8"/>
               </a:solidFill>
               <a:latin typeface="Manrope" pitchFamily="2" charset="0"/>
               <a:ea typeface="Agrandir Bold"/>
@@ -4482,7 +4438,7 @@
             <a:r>
               <a:rPr lang="ru-RU" sz="6644" b="1" strike="noStrike" spc="-365" dirty="0">
                 <a:solidFill>
-                  <a:srgbClr val="FFFFFF"/>
+                  <a:srgbClr val="F8F8F8"/>
                 </a:solidFill>
                 <a:latin typeface="Manrope" pitchFamily="2" charset="0"/>
                 <a:ea typeface="Agrandir Bold"/>
@@ -4494,7 +4450,7 @@
             <a:r>
               <a:rPr lang="en-US" sz="6644" b="1" strike="noStrike" spc="-365" dirty="0">
                 <a:solidFill>
-                  <a:srgbClr val="FFFFFF"/>
+                  <a:srgbClr val="F8F8F8"/>
                 </a:solidFill>
                 <a:latin typeface="Manrope" pitchFamily="2" charset="0"/>
                 <a:ea typeface="Agrandir Bold"/>
@@ -4506,7 +4462,7 @@
             <a:r>
               <a:rPr lang="ru-RU" sz="6644" b="1" spc="-365" dirty="0">
                 <a:solidFill>
-                  <a:srgbClr val="FFFFFF"/>
+                  <a:srgbClr val="F8F8F8"/>
                 </a:solidFill>
                 <a:latin typeface="Manrope" pitchFamily="2" charset="0"/>
                 <a:ea typeface="Agrandir Bold"/>
@@ -4517,7 +4473,7 @@
             </a:r>
             <a:endParaRPr lang="en-US" sz="6644" b="1" strike="noStrike" spc="-365" dirty="0">
               <a:solidFill>
-                <a:srgbClr val="FFFFFF"/>
+                <a:srgbClr val="F8F8F8"/>
               </a:solidFill>
               <a:latin typeface="Manrope" pitchFamily="2" charset="0"/>
               <a:ea typeface="Agrandir Bold"/>
@@ -4576,15 +4532,15 @@
         </p:nvSpPr>
         <p:spPr>
           <a:xfrm>
-            <a:off x="763032" y="99045"/>
-            <a:ext cx="16717051" cy="1703351"/>
+            <a:off x="3959787" y="74050"/>
+            <a:ext cx="10103286" cy="2549737"/>
           </a:xfrm>
           <a:prstGeom prst="rect">
             <a:avLst/>
           </a:prstGeom>
         </p:spPr>
         <p:txBody>
-          <a:bodyPr lIns="0" tIns="0" rIns="0" bIns="0" numCol="1" rtlCol="0" anchor="ctr">
+          <a:bodyPr wrap="square" lIns="0" tIns="0" rIns="0" bIns="0" numCol="1" rtlCol="0" anchor="ctr">
             <a:spAutoFit/>
           </a:bodyPr>
           <a:lstStyle/>
@@ -4595,7 +4551,7 @@
               </a:lnSpc>
             </a:pPr>
             <a:r>
-              <a:rPr lang="en-US" sz="2400" b="1" i="1" spc="-142" dirty="0">
+              <a:rPr lang="en-US" sz="2400" b="1" spc="-142" dirty="0">
                 <a:solidFill>
                   <a:srgbClr val="000000"/>
                 </a:solidFill>
@@ -4614,7 +4570,7 @@
               </a:lnSpc>
             </a:pPr>
             <a:r>
-              <a:rPr lang="en-US" sz="2400" b="1" i="1" spc="-142" dirty="0">
+              <a:rPr lang="en-US" sz="2400" b="1" spc="-142" dirty="0">
                 <a:solidFill>
                   <a:srgbClr val="000000"/>
                 </a:solidFill>
@@ -4633,7 +4589,7 @@
               </a:lnSpc>
             </a:pPr>
             <a:r>
-              <a:rPr lang="en-US" sz="2400" b="1" i="1" spc="-142" dirty="0">
+              <a:rPr lang="en-US" sz="2400" b="1" spc="-142" dirty="0">
                 <a:solidFill>
                   <a:srgbClr val="000000"/>
                 </a:solidFill>
@@ -4651,7 +4607,7 @@
                 <a:spcPts val="2209"/>
               </a:lnSpc>
             </a:pPr>
-            <a:endParaRPr lang="en-US" sz="2400" b="1" i="1" spc="-142" dirty="0">
+            <a:endParaRPr lang="en-US" sz="2400" b="1" spc="-142" dirty="0">
               <a:solidFill>
                 <a:srgbClr val="000000"/>
               </a:solidFill>
@@ -4668,7 +4624,7 @@
               </a:lnSpc>
             </a:pPr>
             <a:r>
-              <a:rPr lang="en-US" sz="2400" b="1" i="1" spc="-142" dirty="0">
+              <a:rPr lang="en-US" sz="2400" b="1" spc="-142" dirty="0">
                 <a:solidFill>
                   <a:srgbClr val="000000"/>
                 </a:solidFill>
@@ -4680,7 +4636,7 @@
               <a:t> АРХАНГЕЛЬСКИЙ КОЛЛЕДЖ ТЕЛЕКОММУНИКАЦИЙ ИМ. Б.Л. РОЗИНГА</a:t>
             </a:r>
             <a:r>
-              <a:rPr lang="en-US" sz="2400" b="1" i="1" strike="noStrike" spc="-142" dirty="0">
+              <a:rPr lang="en-US" sz="2400" b="1" strike="noStrike" spc="-142" dirty="0">
                 <a:solidFill>
                   <a:srgbClr val="000000"/>
                 </a:solidFill>
@@ -4699,7 +4655,7 @@
               </a:lnSpc>
             </a:pPr>
             <a:r>
-              <a:rPr lang="en-US" sz="2400" b="1" i="1" strike="noStrike" spc="-142" dirty="0">
+              <a:rPr lang="en-US" sz="2400" b="1" strike="noStrike" spc="-142" dirty="0">
                 <a:solidFill>
                   <a:srgbClr val="000000"/>
                 </a:solidFill>
@@ -4727,7 +4683,7 @@
         </p:nvSpPr>
         <p:spPr>
           <a:xfrm rot="21087448">
-            <a:off x="-131493" y="1768377"/>
+            <a:off x="-248294" y="2549948"/>
             <a:ext cx="3722945" cy="504803"/>
           </a:xfrm>
           <a:prstGeom prst="triangle">
@@ -4763,7 +4719,61 @@
           <a:lstStyle/>
           <a:p>
             <a:pPr algn="ctr"/>
-            <a:endParaRPr lang="ru-RU"/>
+            <a:endParaRPr lang="ru-RU" dirty="0"/>
+          </a:p>
+        </p:txBody>
+      </p:sp>
+      <p:sp>
+        <p:nvSpPr>
+          <p:cNvPr id="6" name="Isosceles Triangle 5">
+            <a:extLst>
+              <a:ext uri="{FF2B5EF4-FFF2-40B4-BE49-F238E27FC236}">
+                <a16:creationId xmlns:a16="http://schemas.microsoft.com/office/drawing/2014/main" id="{3D7FD443-A80F-506F-2F7D-E8A2D2CBF077}"/>
+              </a:ext>
+            </a:extLst>
+          </p:cNvPr>
+          <p:cNvSpPr/>
+          <p:nvPr/>
+        </p:nvSpPr>
+        <p:spPr>
+          <a:xfrm rot="10426983">
+            <a:off x="14761347" y="2509796"/>
+            <a:ext cx="3722945" cy="504803"/>
+          </a:xfrm>
+          <a:prstGeom prst="triangle">
+            <a:avLst>
+              <a:gd name="adj" fmla="val 0"/>
+            </a:avLst>
+          </a:prstGeom>
+          <a:solidFill>
+            <a:srgbClr val="F4A530"/>
+          </a:solidFill>
+          <a:ln>
+            <a:noFill/>
+          </a:ln>
+        </p:spPr>
+        <p:style>
+          <a:lnRef idx="2">
+            <a:schemeClr val="accent1">
+              <a:shade val="15000"/>
+            </a:schemeClr>
+          </a:lnRef>
+          <a:fillRef idx="1">
+            <a:schemeClr val="accent1"/>
+          </a:fillRef>
+          <a:effectRef idx="0">
+            <a:schemeClr val="accent1"/>
+          </a:effectRef>
+          <a:fontRef idx="minor">
+            <a:schemeClr val="lt1"/>
+          </a:fontRef>
+        </p:style>
+        <p:txBody>
+          <a:bodyPr rtlCol="0" anchor="ctr"/>
+          <a:lstStyle/>
+          <a:p>
+            <a:pPr algn="ctr"/>
+            <a:endParaRPr lang="ru-RU" dirty="0"/>
           </a:p>
         </p:txBody>
       </p:sp>
@@ -4772,13 +4782,13 @@
   <p:clrMapOvr>
     <a:masterClrMapping/>
   </p:clrMapOvr>
-  <mc:AlternateContent xmlns:mc="http://schemas.openxmlformats.org/markup-compatibility/2006">
-    <mc:Choice xmlns:p14="http://schemas.microsoft.com/office/powerpoint/2010/main" Requires="p14">
+  <mc:AlternateContent xmlns:mc="http://schemas.openxmlformats.org/markup-compatibility/2006" xmlns:p14="http://schemas.microsoft.com/office/powerpoint/2010/main">
+    <mc:Choice Requires="p14">
       <p:transition p14:dur="300">
         <p14:pan/>
       </p:transition>
     </mc:Choice>
-    <mc:Fallback>
+    <mc:Fallback xmlns="">
       <p:transition>
         <p:fade/>
       </p:transition>
@@ -4790,34 +4800,12 @@
 <file path=ppt/slides/slide10.xml><?xml version="1.0" encoding="utf-8"?>
 <p:sld xmlns:a="http://schemas.openxmlformats.org/drawingml/2006/main" xmlns:r="http://schemas.openxmlformats.org/officeDocument/2006/relationships" xmlns:p="http://schemas.openxmlformats.org/presentationml/2006/main">
   <p:cSld>
-    <p:bg>
-      <p:bgPr>
-        <a:gradFill rotWithShape="1">
-          <a:gsLst>
-            <a:gs pos="0">
-              <a:srgbClr val="23688F">
-                <a:alpha val="100000"/>
-              </a:srgbClr>
-            </a:gs>
-            <a:gs pos="100000">
-              <a:srgbClr val="0F5EA6">
-                <a:alpha val="100000"/>
-              </a:srgbClr>
-            </a:gs>
-          </a:gsLst>
-          <a:path path="circle">
-            <a:fillToRect l="50000" t="50000" r="50000" b="50000"/>
-          </a:path>
-        </a:gradFill>
-        <a:effectLst/>
-      </p:bgPr>
-    </p:bg>
     <p:spTree>
       <p:nvGrpSpPr>
         <p:cNvPr id="1" name="">
           <a:extLst>
             <a:ext uri="{FF2B5EF4-FFF2-40B4-BE49-F238E27FC236}">
-              <a16:creationId xmlns:a16="http://schemas.microsoft.com/office/drawing/2014/main" id="{C8D06057-E80B-05B1-358F-3D7156A78353}"/>
+              <a16:creationId xmlns:a16="http://schemas.microsoft.com/office/drawing/2014/main" id="{830A82D8-E24D-142C-F772-F083316C9B6B}"/>
             </a:ext>
           </a:extLst>
         </p:cNvPr>
@@ -4837,7 +4825,7 @@
           <p:cNvPr id="30" name="Rectangle: Rounded Corners 29">
             <a:extLst>
               <a:ext uri="{FF2B5EF4-FFF2-40B4-BE49-F238E27FC236}">
-                <a16:creationId xmlns:a16="http://schemas.microsoft.com/office/drawing/2014/main" id="{49A7C193-9280-09A2-D49E-74A401B3CF8A}"/>
+                <a16:creationId xmlns:a16="http://schemas.microsoft.com/office/drawing/2014/main" id="{820544AD-5EB3-9A11-D216-2076F732B610}"/>
               </a:ext>
             </a:extLst>
           </p:cNvPr>
@@ -4846,8 +4834,8 @@
         </p:nvSpPr>
         <p:spPr>
           <a:xfrm>
-            <a:off x="7989198" y="7658100"/>
-            <a:ext cx="241548" cy="838200"/>
+            <a:off x="8837350" y="7658100"/>
+            <a:ext cx="259449" cy="1295400"/>
           </a:xfrm>
           <a:prstGeom prst="roundRect">
             <a:avLst/>
@@ -4893,7 +4881,7 @@
           <p:cNvPr id="29" name="Rectangle: Rounded Corners 28">
             <a:extLst>
               <a:ext uri="{FF2B5EF4-FFF2-40B4-BE49-F238E27FC236}">
-                <a16:creationId xmlns:a16="http://schemas.microsoft.com/office/drawing/2014/main" id="{6F92205D-E8A5-9F64-AAEB-2CDD042EBEC1}"/>
+                <a16:creationId xmlns:a16="http://schemas.microsoft.com/office/drawing/2014/main" id="{56B2A382-447E-6135-862A-CCC64025C2DA}"/>
               </a:ext>
             </a:extLst>
           </p:cNvPr>
@@ -4902,8 +4890,8 @@
         </p:nvSpPr>
         <p:spPr>
           <a:xfrm>
-            <a:off x="653949" y="7658100"/>
-            <a:ext cx="241548" cy="838200"/>
+            <a:off x="653948" y="7658100"/>
+            <a:ext cx="259449" cy="1295400"/>
           </a:xfrm>
           <a:prstGeom prst="roundRect">
             <a:avLst/>
@@ -4945,7 +4933,7 @@
           <p:cNvPr id="28" name="Rectangle 27">
             <a:extLst>
               <a:ext uri="{FF2B5EF4-FFF2-40B4-BE49-F238E27FC236}">
-                <a16:creationId xmlns:a16="http://schemas.microsoft.com/office/drawing/2014/main" id="{43595714-70B0-9F30-1C65-FF36DF6AE8D6}"/>
+                <a16:creationId xmlns:a16="http://schemas.microsoft.com/office/drawing/2014/main" id="{DA9E95DD-22BC-222C-367C-41B14CE8CBAA}"/>
               </a:ext>
             </a:extLst>
           </p:cNvPr>
@@ -4955,7 +4943,7 @@
         <p:spPr>
           <a:xfrm>
             <a:off x="768251" y="7658100"/>
-            <a:ext cx="7372201" cy="838200"/>
+            <a:ext cx="8147149" cy="1295400"/>
           </a:xfrm>
           <a:prstGeom prst="rect">
             <a:avLst/>
@@ -4997,7 +4985,7 @@
           <p:cNvPr id="9" name="Group 9">
             <a:extLst>
               <a:ext uri="{FF2B5EF4-FFF2-40B4-BE49-F238E27FC236}">
-                <a16:creationId xmlns:a16="http://schemas.microsoft.com/office/drawing/2014/main" id="{84CDFF2A-C581-627D-476D-680E7343A464}"/>
+                <a16:creationId xmlns:a16="http://schemas.microsoft.com/office/drawing/2014/main" id="{52100165-68E2-74D8-5BBF-7E77F2C7E1D0}"/>
               </a:ext>
             </a:extLst>
           </p:cNvPr>
@@ -5006,8 +4994,8 @@
         </p:nvGrpSpPr>
         <p:grpSpPr>
           <a:xfrm>
-            <a:off x="0" y="-98064"/>
-            <a:ext cx="18288000" cy="2170351"/>
+            <a:off x="0" y="1082371"/>
+            <a:ext cx="18288000" cy="1742292"/>
             <a:chOff x="0" y="-28575"/>
             <a:chExt cx="4816593" cy="571615"/>
           </a:xfrm>
@@ -5020,7 +5008,7 @@
             <p:cNvPr id="10" name="Freeform 10">
               <a:extLst>
                 <a:ext uri="{FF2B5EF4-FFF2-40B4-BE49-F238E27FC236}">
-                  <a16:creationId xmlns:a16="http://schemas.microsoft.com/office/drawing/2014/main" id="{C8052320-7662-DB03-DFFF-2AA1E701F029}"/>
+                  <a16:creationId xmlns:a16="http://schemas.microsoft.com/office/drawing/2014/main" id="{3F4EDD15-2343-7359-73FA-FB6831CE377B}"/>
                 </a:ext>
               </a:extLst>
             </p:cNvPr>
@@ -5104,7 +5092,7 @@
             <p:cNvPr id="11" name="TextBox 11">
               <a:extLst>
                 <a:ext uri="{FF2B5EF4-FFF2-40B4-BE49-F238E27FC236}">
-                  <a16:creationId xmlns:a16="http://schemas.microsoft.com/office/drawing/2014/main" id="{E6A5C277-61B1-AD56-F3D8-6BEAA6D9B10A}"/>
+                  <a16:creationId xmlns:a16="http://schemas.microsoft.com/office/drawing/2014/main" id="{FE8A2A0A-1F5F-51AE-4BEB-64BD06683EC8}"/>
                 </a:ext>
               </a:extLst>
             </p:cNvPr>
@@ -5135,155 +5123,98 @@
           </p:txBody>
         </p:sp>
       </p:grpSp>
-      <p:grpSp>
-        <p:nvGrpSpPr>
-          <p:cNvPr id="24" name="Group 9">
+      <p:sp>
+        <p:nvSpPr>
+          <p:cNvPr id="25" name="Freeform 10">
             <a:extLst>
               <a:ext uri="{FF2B5EF4-FFF2-40B4-BE49-F238E27FC236}">
-                <a16:creationId xmlns:a16="http://schemas.microsoft.com/office/drawing/2014/main" id="{B5AA68BE-DF24-F742-29A8-AA41B77C50B5}"/>
+                <a16:creationId xmlns:a16="http://schemas.microsoft.com/office/drawing/2014/main" id="{F998DD59-D99B-94D8-046C-2749D6F8A4CA}"/>
               </a:ext>
             </a:extLst>
           </p:cNvPr>
-          <p:cNvGrpSpPr/>
+          <p:cNvSpPr/>
           <p:nvPr/>
-        </p:nvGrpSpPr>
-        <p:grpSpPr>
-          <a:xfrm>
-            <a:off x="-4" y="-238328"/>
-            <a:ext cx="18288004" cy="2230517"/>
-            <a:chOff x="0" y="-28575"/>
-            <a:chExt cx="4816593" cy="571615"/>
-          </a:xfrm>
+        </p:nvSpPr>
+        <p:spPr>
+          <a:xfrm>
+            <a:off x="-4" y="-126825"/>
+            <a:ext cx="18288000" cy="2801926"/>
+          </a:xfrm>
+          <a:custGeom>
+            <a:avLst/>
+            <a:gdLst/>
+            <a:ahLst/>
+            <a:cxnLst/>
+            <a:rect l="l" t="t" r="r" b="b"/>
+            <a:pathLst>
+              <a:path w="4816592" h="543040">
+                <a:moveTo>
+                  <a:pt x="7197" y="0"/>
+                </a:moveTo>
+                <a:lnTo>
+                  <a:pt x="4809396" y="0"/>
+                </a:lnTo>
+                <a:cubicBezTo>
+                  <a:pt x="4811304" y="0"/>
+                  <a:pt x="4813135" y="758"/>
+                  <a:pt x="4814484" y="2108"/>
+                </a:cubicBezTo>
+                <a:cubicBezTo>
+                  <a:pt x="4815834" y="3457"/>
+                  <a:pt x="4816592" y="5288"/>
+                  <a:pt x="4816592" y="7197"/>
+                </a:cubicBezTo>
+                <a:lnTo>
+                  <a:pt x="4816592" y="535844"/>
+                </a:lnTo>
+                <a:cubicBezTo>
+                  <a:pt x="4816592" y="539818"/>
+                  <a:pt x="4813371" y="543040"/>
+                  <a:pt x="4809396" y="543040"/>
+                </a:cubicBezTo>
+                <a:lnTo>
+                  <a:pt x="7197" y="543040"/>
+                </a:lnTo>
+                <a:cubicBezTo>
+                  <a:pt x="3222" y="543040"/>
+                  <a:pt x="0" y="539818"/>
+                  <a:pt x="0" y="535844"/>
+                </a:cubicBezTo>
+                <a:lnTo>
+                  <a:pt x="0" y="7197"/>
+                </a:lnTo>
+                <a:cubicBezTo>
+                  <a:pt x="0" y="3222"/>
+                  <a:pt x="3222" y="0"/>
+                  <a:pt x="7197" y="0"/>
+                </a:cubicBezTo>
+                <a:close/>
+              </a:path>
+            </a:pathLst>
+          </a:custGeom>
           <a:solidFill>
-            <a:schemeClr val="bg1"/>
+            <a:srgbClr val="EBEBEB"/>
           </a:solidFill>
-        </p:grpSpPr>
-        <p:sp>
-          <p:nvSpPr>
-            <p:cNvPr id="25" name="Freeform 10">
-              <a:extLst>
-                <a:ext uri="{FF2B5EF4-FFF2-40B4-BE49-F238E27FC236}">
-                  <a16:creationId xmlns:a16="http://schemas.microsoft.com/office/drawing/2014/main" id="{3A1929F0-6185-F279-2AC4-FC7DA0AAF03B}"/>
-                </a:ext>
-              </a:extLst>
-            </p:cNvPr>
-            <p:cNvSpPr/>
-            <p:nvPr/>
-          </p:nvSpPr>
-          <p:spPr>
-            <a:xfrm>
-              <a:off x="0" y="0"/>
-              <a:ext cx="4816592" cy="543040"/>
-            </a:xfrm>
-            <a:custGeom>
-              <a:avLst/>
-              <a:gdLst/>
-              <a:ahLst/>
-              <a:cxnLst/>
-              <a:rect l="l" t="t" r="r" b="b"/>
-              <a:pathLst>
-                <a:path w="4816592" h="543040">
-                  <a:moveTo>
-                    <a:pt x="7197" y="0"/>
-                  </a:moveTo>
-                  <a:lnTo>
-                    <a:pt x="4809396" y="0"/>
-                  </a:lnTo>
-                  <a:cubicBezTo>
-                    <a:pt x="4811304" y="0"/>
-                    <a:pt x="4813135" y="758"/>
-                    <a:pt x="4814484" y="2108"/>
-                  </a:cubicBezTo>
-                  <a:cubicBezTo>
-                    <a:pt x="4815834" y="3457"/>
-                    <a:pt x="4816592" y="5288"/>
-                    <a:pt x="4816592" y="7197"/>
-                  </a:cubicBezTo>
-                  <a:lnTo>
-                    <a:pt x="4816592" y="535844"/>
-                  </a:lnTo>
-                  <a:cubicBezTo>
-                    <a:pt x="4816592" y="539818"/>
-                    <a:pt x="4813371" y="543040"/>
-                    <a:pt x="4809396" y="543040"/>
-                  </a:cubicBezTo>
-                  <a:lnTo>
-                    <a:pt x="7197" y="543040"/>
-                  </a:lnTo>
-                  <a:cubicBezTo>
-                    <a:pt x="3222" y="543040"/>
-                    <a:pt x="0" y="539818"/>
-                    <a:pt x="0" y="535844"/>
-                  </a:cubicBezTo>
-                  <a:lnTo>
-                    <a:pt x="0" y="7197"/>
-                  </a:lnTo>
-                  <a:cubicBezTo>
-                    <a:pt x="0" y="3222"/>
-                    <a:pt x="3222" y="0"/>
-                    <a:pt x="7197" y="0"/>
-                  </a:cubicBezTo>
-                  <a:close/>
-                </a:path>
-              </a:pathLst>
-            </a:custGeom>
-            <a:grpFill/>
-            <a:ln cap="sq">
-              <a:noFill/>
-              <a:prstDash val="solid"/>
-              <a:miter/>
-            </a:ln>
-          </p:spPr>
-          <p:txBody>
-            <a:bodyPr/>
-            <a:lstStyle/>
-            <a:p>
-              <a:endParaRPr lang="ru-RU"/>
-            </a:p>
-          </p:txBody>
-        </p:sp>
-        <p:sp>
-          <p:nvSpPr>
-            <p:cNvPr id="26" name="TextBox 11">
-              <a:extLst>
-                <a:ext uri="{FF2B5EF4-FFF2-40B4-BE49-F238E27FC236}">
-                  <a16:creationId xmlns:a16="http://schemas.microsoft.com/office/drawing/2014/main" id="{99625DF0-B575-8E26-71FA-771C2629CBB5}"/>
-                </a:ext>
-              </a:extLst>
-            </p:cNvPr>
-            <p:cNvSpPr txBox="1"/>
-            <p:nvPr/>
-          </p:nvSpPr>
-          <p:spPr>
-            <a:xfrm>
-              <a:off x="0" y="-28575"/>
-              <a:ext cx="4816593" cy="571615"/>
-            </a:xfrm>
-            <a:prstGeom prst="rect">
-              <a:avLst/>
-            </a:prstGeom>
-            <a:grpFill/>
-          </p:spPr>
-          <p:txBody>
-            <a:bodyPr lIns="50800" tIns="50800" rIns="50800" bIns="50800" rtlCol="0" anchor="ctr"/>
-            <a:lstStyle/>
-            <a:p>
-              <a:pPr algn="ctr">
-                <a:lnSpc>
-                  <a:spcPts val="2747"/>
-                </a:lnSpc>
-              </a:pPr>
-              <a:endParaRPr/>
-            </a:p>
-          </p:txBody>
-        </p:sp>
-      </p:grpSp>
+          <a:ln cap="sq">
+            <a:noFill/>
+            <a:prstDash val="solid"/>
+            <a:miter/>
+          </a:ln>
+        </p:spPr>
+        <p:txBody>
+          <a:bodyPr/>
+          <a:lstStyle/>
+          <a:p>
+            <a:endParaRPr lang="ru-RU"/>
+          </a:p>
+        </p:txBody>
+      </p:sp>
       <p:sp>
         <p:nvSpPr>
           <p:cNvPr id="4" name="TextBox 4">
             <a:extLst>
               <a:ext uri="{FF2B5EF4-FFF2-40B4-BE49-F238E27FC236}">
-                <a16:creationId xmlns:a16="http://schemas.microsoft.com/office/drawing/2014/main" id="{B84F5766-B11D-600E-D01E-416B437F958B}"/>
+                <a16:creationId xmlns:a16="http://schemas.microsoft.com/office/drawing/2014/main" id="{354286BA-AA8E-3B83-2EB5-EFEFC1FAC596}"/>
               </a:ext>
             </a:extLst>
           </p:cNvPr>
@@ -5292,8 +5223,8 @@
         </p:nvSpPr>
         <p:spPr>
           <a:xfrm>
-            <a:off x="785474" y="6784628"/>
-            <a:ext cx="7748926" cy="2549872"/>
+            <a:off x="785473" y="6784628"/>
+            <a:ext cx="8358527" cy="2994538"/>
           </a:xfrm>
           <a:prstGeom prst="rect">
             <a:avLst/>
@@ -5307,25 +5238,34 @@
           <a:lstStyle/>
           <a:p>
             <a:r>
-              <a:rPr lang="en-US" sz="2200" dirty="0">
-                <a:latin typeface="Agrandir" panose="020B0604020202020204" charset="0"/>
+              <a:rPr lang="ru-RU" sz="2400" dirty="0">
+                <a:latin typeface="Manrope ExtraLight" pitchFamily="2" charset="0"/>
                 <a:ea typeface="Aileron Bold"/>
                 <a:cs typeface="Aileron Bold"/>
                 <a:sym typeface="Aileron Bold"/>
               </a:rPr>
-              <a:t>СТУДЕНТ ГРУППЫ ИСПП-35: </a:t>
-            </a:r>
-            <a:r>
-              <a:rPr lang="ru-RU" sz="2200" dirty="0">
-                <a:latin typeface="Agrandir" panose="020B0604020202020204" charset="0"/>
+              <a:t>Студент группы </a:t>
+            </a:r>
+            <a:r>
+              <a:rPr lang="en-US" sz="2400" dirty="0">
+                <a:latin typeface="Manrope ExtraLight" pitchFamily="2" charset="0"/>
+                <a:ea typeface="Aileron Bold"/>
+                <a:cs typeface="Aileron Bold"/>
+                <a:sym typeface="Aileron Bold"/>
+              </a:rPr>
+              <a:t>ИСПП-35:</a:t>
+            </a:r>
+            <a:r>
+              <a:rPr lang="ru-RU" sz="2400" dirty="0">
+                <a:latin typeface="Manrope ExtraLight" pitchFamily="2" charset="0"/>
                 <a:ea typeface="Aileron Bold"/>
                 <a:cs typeface="Aileron Bold"/>
                 <a:sym typeface="Aileron Bold"/>
               </a:rPr>
               <a:t>Горелкин Андрей Вячеславович</a:t>
             </a:r>
-            <a:endParaRPr lang="en-US" sz="2200" dirty="0">
-              <a:latin typeface="Agrandir" panose="020B0604020202020204" charset="0"/>
+            <a:endParaRPr lang="en-US" sz="2400" dirty="0">
+              <a:latin typeface="Manrope ExtraLight" pitchFamily="2" charset="0"/>
               <a:ea typeface="Aileron Bold"/>
               <a:cs typeface="Aileron Bold"/>
               <a:sym typeface="Aileron Bold"/>
@@ -5338,8 +5278,8 @@
               </a:spcBef>
             </a:pPr>
             <a:r>
-              <a:rPr lang="ru-RU" sz="2200" dirty="0">
-                <a:latin typeface="Agrandir" panose="020B0604020202020204" charset="0"/>
+              <a:rPr lang="ru-RU" sz="2400" dirty="0">
+                <a:latin typeface="Manrope ExtraLight" pitchFamily="2" charset="0"/>
                 <a:ea typeface="Aileron Bold"/>
                 <a:cs typeface="Aileron Bold"/>
                 <a:sym typeface="Aileron Bold"/>
@@ -5347,8 +5287,8 @@
               <a:t>Руководитель</a:t>
             </a:r>
             <a:r>
-              <a:rPr lang="en-US" sz="2200" dirty="0">
-                <a:latin typeface="Agrandir" panose="020B0604020202020204" charset="0"/>
+              <a:rPr lang="en-US" sz="2400" dirty="0">
+                <a:latin typeface="Manrope ExtraLight" pitchFamily="2" charset="0"/>
                 <a:ea typeface="Aileron Bold"/>
                 <a:cs typeface="Aileron Bold"/>
                 <a:sym typeface="Aileron Bold"/>
@@ -5356,8 +5296,8 @@
               <a:t>: М</a:t>
             </a:r>
             <a:r>
-              <a:rPr lang="ru-RU" sz="2200" dirty="0">
-                <a:latin typeface="Agrandir" panose="020B0604020202020204" charset="0"/>
+              <a:rPr lang="ru-RU" sz="2400" dirty="0">
+                <a:latin typeface="Manrope ExtraLight" pitchFamily="2" charset="0"/>
                 <a:ea typeface="Aileron Bold"/>
                 <a:cs typeface="Aileron Bold"/>
                 <a:sym typeface="Aileron Bold"/>
@@ -5365,8 +5305,8 @@
               <a:t>аломан</a:t>
             </a:r>
             <a:r>
-              <a:rPr lang="en-US" sz="2200" dirty="0">
-                <a:latin typeface="Agrandir" panose="020B0604020202020204" charset="0"/>
+              <a:rPr lang="en-US" sz="2400" dirty="0">
+                <a:latin typeface="Manrope ExtraLight" pitchFamily="2" charset="0"/>
                 <a:ea typeface="Aileron Bold"/>
                 <a:cs typeface="Aileron Bold"/>
                 <a:sym typeface="Aileron Bold"/>
@@ -5374,8 +5314,8 @@
               <a:t> Ю</a:t>
             </a:r>
             <a:r>
-              <a:rPr lang="ru-RU" sz="2200" dirty="0">
-                <a:latin typeface="Agrandir" panose="020B0604020202020204" charset="0"/>
+              <a:rPr lang="ru-RU" sz="2400" dirty="0">
+                <a:latin typeface="Manrope ExtraLight" pitchFamily="2" charset="0"/>
                 <a:ea typeface="Aileron Bold"/>
                 <a:cs typeface="Aileron Bold"/>
                 <a:sym typeface="Aileron Bold"/>
@@ -5383,8 +5323,8 @@
               <a:t>лия</a:t>
             </a:r>
             <a:r>
-              <a:rPr lang="en-US" sz="2200" dirty="0">
-                <a:latin typeface="Agrandir" panose="020B0604020202020204" charset="0"/>
+              <a:rPr lang="en-US" sz="2400" dirty="0">
+                <a:latin typeface="Manrope ExtraLight" pitchFamily="2" charset="0"/>
                 <a:ea typeface="Aileron Bold"/>
                 <a:cs typeface="Aileron Bold"/>
                 <a:sym typeface="Aileron Bold"/>
@@ -5392,16 +5332,16 @@
               <a:t> </a:t>
             </a:r>
             <a:r>
-              <a:rPr lang="ru-RU" sz="2200" dirty="0">
-                <a:latin typeface="Agrandir" panose="020B0604020202020204" charset="0"/>
+              <a:rPr lang="ru-RU" sz="2400" dirty="0">
+                <a:latin typeface="Manrope ExtraLight" pitchFamily="2" charset="0"/>
                 <a:ea typeface="Aileron Bold"/>
                 <a:cs typeface="Aileron Bold"/>
                 <a:sym typeface="Aileron Bold"/>
               </a:rPr>
               <a:t>Сергеевна</a:t>
             </a:r>
-            <a:endParaRPr lang="en-US" sz="2200" dirty="0">
-              <a:latin typeface="Agrandir" panose="020B0604020202020204" charset="0"/>
+            <a:endParaRPr lang="en-US" sz="2400" dirty="0">
+              <a:latin typeface="Manrope ExtraLight" pitchFamily="2" charset="0"/>
               <a:ea typeface="Aileron Bold"/>
               <a:cs typeface="Aileron Bold"/>
               <a:sym typeface="Aileron Bold"/>
@@ -5414,7 +5354,7 @@
           <p:cNvPr id="12" name="TextBox 12">
             <a:extLst>
               <a:ext uri="{FF2B5EF4-FFF2-40B4-BE49-F238E27FC236}">
-                <a16:creationId xmlns:a16="http://schemas.microsoft.com/office/drawing/2014/main" id="{CC3962C4-57B8-5C5F-5612-CB3134392FAE}"/>
+                <a16:creationId xmlns:a16="http://schemas.microsoft.com/office/drawing/2014/main" id="{3043BD34-4C5E-D7AA-24EF-875E36F8BB62}"/>
               </a:ext>
             </a:extLst>
           </p:cNvPr>
@@ -5423,7 +5363,7 @@
         </p:nvSpPr>
         <p:spPr>
           <a:xfrm>
-            <a:off x="652905" y="3315226"/>
+            <a:off x="652905" y="3732956"/>
             <a:ext cx="16717051" cy="2994538"/>
           </a:xfrm>
           <a:prstGeom prst="rect">
@@ -5444,7 +5384,7 @@
             <a:r>
               <a:rPr lang="en-US" sz="6944" b="1" spc="-381" dirty="0">
                 <a:solidFill>
-                  <a:srgbClr val="FFFFFF"/>
+                  <a:srgbClr val="F8F8F8"/>
                 </a:solidFill>
                 <a:latin typeface="Manrope" pitchFamily="2" charset="0"/>
                 <a:ea typeface="Agrandir Bold"/>
@@ -5462,7 +5402,7 @@
             </a:pPr>
             <a:endParaRPr lang="en-US" sz="6944" b="1" spc="-381" dirty="0">
               <a:solidFill>
-                <a:srgbClr val="FFFFFF"/>
+                <a:srgbClr val="F8F8F8"/>
               </a:solidFill>
               <a:latin typeface="Manrope" pitchFamily="2" charset="0"/>
               <a:ea typeface="Agrandir Bold"/>
@@ -5479,7 +5419,7 @@
             <a:r>
               <a:rPr lang="ru-RU" sz="6644" b="1" strike="noStrike" spc="-365" dirty="0">
                 <a:solidFill>
-                  <a:srgbClr val="FFFFFF"/>
+                  <a:srgbClr val="F8F8F8"/>
                 </a:solidFill>
                 <a:latin typeface="Manrope" pitchFamily="2" charset="0"/>
                 <a:ea typeface="Agrandir Bold"/>
@@ -5491,7 +5431,7 @@
             <a:r>
               <a:rPr lang="en-US" sz="6644" b="1" strike="noStrike" spc="-365" dirty="0">
                 <a:solidFill>
-                  <a:srgbClr val="FFFFFF"/>
+                  <a:srgbClr val="F8F8F8"/>
                 </a:solidFill>
                 <a:latin typeface="Manrope" pitchFamily="2" charset="0"/>
                 <a:ea typeface="Agrandir Bold"/>
@@ -5503,7 +5443,7 @@
             <a:r>
               <a:rPr lang="ru-RU" sz="6644" b="1" spc="-365" dirty="0">
                 <a:solidFill>
-                  <a:srgbClr val="FFFFFF"/>
+                  <a:srgbClr val="F8F8F8"/>
                 </a:solidFill>
                 <a:latin typeface="Manrope" pitchFamily="2" charset="0"/>
                 <a:ea typeface="Agrandir Bold"/>
@@ -5514,7 +5454,7 @@
             </a:r>
             <a:endParaRPr lang="en-US" sz="6644" b="1" strike="noStrike" spc="-365" dirty="0">
               <a:solidFill>
-                <a:srgbClr val="FFFFFF"/>
+                <a:srgbClr val="F8F8F8"/>
               </a:solidFill>
               <a:latin typeface="Manrope" pitchFamily="2" charset="0"/>
               <a:ea typeface="Agrandir Bold"/>
@@ -5529,7 +5469,7 @@
           <p:cNvPr id="13" name="TextBox 13">
             <a:extLst>
               <a:ext uri="{FF2B5EF4-FFF2-40B4-BE49-F238E27FC236}">
-                <a16:creationId xmlns:a16="http://schemas.microsoft.com/office/drawing/2014/main" id="{BAD640D1-19AB-ED48-1973-F06F5F960C32}"/>
+                <a16:creationId xmlns:a16="http://schemas.microsoft.com/office/drawing/2014/main" id="{66A576BF-67CF-71B1-54E9-100CE2570E54}"/>
               </a:ext>
             </a:extLst>
           </p:cNvPr>
@@ -5576,7 +5516,7 @@
           <p:cNvPr id="21" name="TextBox 21">
             <a:extLst>
               <a:ext uri="{FF2B5EF4-FFF2-40B4-BE49-F238E27FC236}">
-                <a16:creationId xmlns:a16="http://schemas.microsoft.com/office/drawing/2014/main" id="{7224B4B6-C35F-60DD-32BE-14EEC52E5378}"/>
+                <a16:creationId xmlns:a16="http://schemas.microsoft.com/office/drawing/2014/main" id="{C4945CC1-A782-9277-3D66-3955343C3A11}"/>
               </a:ext>
             </a:extLst>
           </p:cNvPr>
@@ -5585,15 +5525,15 @@
         </p:nvSpPr>
         <p:spPr>
           <a:xfrm>
-            <a:off x="763032" y="99045"/>
-            <a:ext cx="16717051" cy="1703351"/>
+            <a:off x="3959787" y="74050"/>
+            <a:ext cx="10103286" cy="2549737"/>
           </a:xfrm>
           <a:prstGeom prst="rect">
             <a:avLst/>
           </a:prstGeom>
         </p:spPr>
         <p:txBody>
-          <a:bodyPr lIns="0" tIns="0" rIns="0" bIns="0" numCol="1" rtlCol="0" anchor="ctr">
+          <a:bodyPr wrap="square" lIns="0" tIns="0" rIns="0" bIns="0" numCol="1" rtlCol="0" anchor="ctr">
             <a:spAutoFit/>
           </a:bodyPr>
           <a:lstStyle/>
@@ -5604,7 +5544,7 @@
               </a:lnSpc>
             </a:pPr>
             <a:r>
-              <a:rPr lang="en-US" sz="2400" i="1" spc="-142" dirty="0">
+              <a:rPr lang="en-US" sz="2400" b="1" spc="-142" dirty="0">
                 <a:solidFill>
                   <a:srgbClr val="000000"/>
                 </a:solidFill>
@@ -5623,7 +5563,7 @@
               </a:lnSpc>
             </a:pPr>
             <a:r>
-              <a:rPr lang="en-US" sz="2400" i="1" spc="-142" dirty="0">
+              <a:rPr lang="en-US" sz="2400" b="1" spc="-142" dirty="0">
                 <a:solidFill>
                   <a:srgbClr val="000000"/>
                 </a:solidFill>
@@ -5642,7 +5582,7 @@
               </a:lnSpc>
             </a:pPr>
             <a:r>
-              <a:rPr lang="en-US" sz="2400" i="1" spc="-142" dirty="0">
+              <a:rPr lang="en-US" sz="2400" b="1" spc="-142" dirty="0">
                 <a:solidFill>
                   <a:srgbClr val="000000"/>
                 </a:solidFill>
@@ -5660,7 +5600,7 @@
                 <a:spcPts val="2209"/>
               </a:lnSpc>
             </a:pPr>
-            <a:endParaRPr lang="en-US" sz="2400" i="1" spc="-142" dirty="0">
+            <a:endParaRPr lang="en-US" sz="2400" b="1" spc="-142" dirty="0">
               <a:solidFill>
                 <a:srgbClr val="000000"/>
               </a:solidFill>
@@ -5677,7 +5617,7 @@
               </a:lnSpc>
             </a:pPr>
             <a:r>
-              <a:rPr lang="en-US" sz="2400" i="1" spc="-142" dirty="0">
+              <a:rPr lang="en-US" sz="2400" b="1" spc="-142" dirty="0">
                 <a:solidFill>
                   <a:srgbClr val="000000"/>
                 </a:solidFill>
@@ -5689,7 +5629,7 @@
               <a:t> АРХАНГЕЛЬСКИЙ КОЛЛЕДЖ ТЕЛЕКОММУНИКАЦИЙ ИМ. Б.Л. РОЗИНГА</a:t>
             </a:r>
             <a:r>
-              <a:rPr lang="en-US" sz="2400" i="1" strike="noStrike" spc="-142" dirty="0">
+              <a:rPr lang="en-US" sz="2400" b="1" strike="noStrike" spc="-142" dirty="0">
                 <a:solidFill>
                   <a:srgbClr val="000000"/>
                 </a:solidFill>
@@ -5708,7 +5648,7 @@
               </a:lnSpc>
             </a:pPr>
             <a:r>
-              <a:rPr lang="en-US" sz="2400" i="1" strike="noStrike" spc="-142" dirty="0">
+              <a:rPr lang="en-US" sz="2400" b="1" strike="noStrike" spc="-142" dirty="0">
                 <a:solidFill>
                   <a:srgbClr val="000000"/>
                 </a:solidFill>
@@ -5727,7 +5667,7 @@
           <p:cNvPr id="27" name="Isosceles Triangle 26">
             <a:extLst>
               <a:ext uri="{FF2B5EF4-FFF2-40B4-BE49-F238E27FC236}">
-                <a16:creationId xmlns:a16="http://schemas.microsoft.com/office/drawing/2014/main" id="{20AE28F4-FDCA-6FFF-E26E-6AC2FC06418D}"/>
+                <a16:creationId xmlns:a16="http://schemas.microsoft.com/office/drawing/2014/main" id="{BE044CBB-BE01-E52C-0C30-51BB6EB05BF6}"/>
               </a:ext>
             </a:extLst>
           </p:cNvPr>
@@ -5736,7 +5676,7 @@
         </p:nvSpPr>
         <p:spPr>
           <a:xfrm rot="21087448">
-            <a:off x="-131493" y="1768377"/>
+            <a:off x="-248294" y="2549948"/>
             <a:ext cx="3722945" cy="504803"/>
           </a:xfrm>
           <a:prstGeom prst="triangle">
@@ -5772,14 +5712,68 @@
           <a:lstStyle/>
           <a:p>
             <a:pPr algn="ctr"/>
-            <a:endParaRPr lang="ru-RU"/>
+            <a:endParaRPr lang="ru-RU" dirty="0"/>
+          </a:p>
+        </p:txBody>
+      </p:sp>
+      <p:sp>
+        <p:nvSpPr>
+          <p:cNvPr id="6" name="Isosceles Triangle 5">
+            <a:extLst>
+              <a:ext uri="{FF2B5EF4-FFF2-40B4-BE49-F238E27FC236}">
+                <a16:creationId xmlns:a16="http://schemas.microsoft.com/office/drawing/2014/main" id="{73003E66-01ED-479F-95D3-8FE63E4B8693}"/>
+              </a:ext>
+            </a:extLst>
+          </p:cNvPr>
+          <p:cNvSpPr/>
+          <p:nvPr/>
+        </p:nvSpPr>
+        <p:spPr>
+          <a:xfrm rot="10426983">
+            <a:off x="14761347" y="2509796"/>
+            <a:ext cx="3722945" cy="504803"/>
+          </a:xfrm>
+          <a:prstGeom prst="triangle">
+            <a:avLst>
+              <a:gd name="adj" fmla="val 0"/>
+            </a:avLst>
+          </a:prstGeom>
+          <a:solidFill>
+            <a:srgbClr val="F4A530"/>
+          </a:solidFill>
+          <a:ln>
+            <a:noFill/>
+          </a:ln>
+        </p:spPr>
+        <p:style>
+          <a:lnRef idx="2">
+            <a:schemeClr val="accent1">
+              <a:shade val="15000"/>
+            </a:schemeClr>
+          </a:lnRef>
+          <a:fillRef idx="1">
+            <a:schemeClr val="accent1"/>
+          </a:fillRef>
+          <a:effectRef idx="0">
+            <a:schemeClr val="accent1"/>
+          </a:effectRef>
+          <a:fontRef idx="minor">
+            <a:schemeClr val="lt1"/>
+          </a:fontRef>
+        </p:style>
+        <p:txBody>
+          <a:bodyPr rtlCol="0" anchor="ctr"/>
+          <a:lstStyle/>
+          <a:p>
+            <a:pPr algn="ctr"/>
+            <a:endParaRPr lang="ru-RU" dirty="0"/>
           </a:p>
         </p:txBody>
       </p:sp>
     </p:spTree>
     <p:extLst>
       <p:ext uri="{BB962C8B-B14F-4D97-AF65-F5344CB8AC3E}">
-        <p14:creationId xmlns:p14="http://schemas.microsoft.com/office/powerpoint/2010/main" val="1679471918"/>
+        <p14:creationId xmlns:p14="http://schemas.microsoft.com/office/powerpoint/2010/main" val="1607280742"/>
       </p:ext>
     </p:extLst>
   </p:cSld>
@@ -5804,14 +5798,6 @@
 <file path=ppt/slides/slide2.xml><?xml version="1.0" encoding="utf-8"?>
 <p:sld xmlns:a="http://schemas.openxmlformats.org/drawingml/2006/main" xmlns:r="http://schemas.openxmlformats.org/officeDocument/2006/relationships" xmlns:p="http://schemas.openxmlformats.org/presentationml/2006/main">
   <p:cSld>
-    <p:bg>
-      <p:bgPr>
-        <a:solidFill>
-          <a:srgbClr val="EBEBEB"/>
-        </a:solidFill>
-        <a:effectLst/>
-      </p:bgPr>
-    </p:bg>
     <p:spTree>
       <p:nvGrpSpPr>
         <p:cNvPr id="1" name=""/>
@@ -5826,45 +5812,6 @@
           <a:chExt cx="0" cy="0"/>
         </a:xfrm>
       </p:grpSpPr>
-      <p:sp>
-        <p:nvSpPr>
-          <p:cNvPr id="3" name="TextBox 3"/>
-          <p:cNvSpPr txBox="1"/>
-          <p:nvPr/>
-        </p:nvSpPr>
-        <p:spPr>
-          <a:xfrm>
-            <a:off x="365236" y="2188845"/>
-            <a:ext cx="10378964" cy="2954655"/>
-          </a:xfrm>
-          <a:prstGeom prst="rect">
-            <a:avLst/>
-          </a:prstGeom>
-        </p:spPr>
-        <p:txBody>
-          <a:bodyPr wrap="square" lIns="0" tIns="0" rIns="0" bIns="0" rtlCol="0" anchor="t">
-            <a:spAutoFit/>
-          </a:bodyPr>
-          <a:lstStyle/>
-          <a:p>
-            <a:r>
-              <a:rPr lang="ru-RU" sz="4800" dirty="0">
-                <a:latin typeface="Manrope Light" pitchFamily="2" charset="0"/>
-              </a:rPr>
-              <a:t>Необходимость в современном веб-приложении для планирования, анализа и учёта методической работы</a:t>
-            </a:r>
-            <a:r>
-              <a:rPr lang="en-US" sz="4800" dirty="0">
-                <a:latin typeface="Manrope Light" pitchFamily="2" charset="0"/>
-              </a:rPr>
-              <a:t>.</a:t>
-            </a:r>
-            <a:endParaRPr lang="ru-RU" sz="4800" dirty="0">
-              <a:latin typeface="Manrope Light" pitchFamily="2" charset="0"/>
-            </a:endParaRPr>
-          </a:p>
-        </p:txBody>
-      </p:sp>
       <p:pic>
         <p:nvPicPr>
           <p:cNvPr id="10" name="Picture 9">
@@ -5893,14 +5840,73 @@
         </p:blipFill>
         <p:spPr>
           <a:xfrm>
-            <a:off x="8871172" y="870172"/>
-            <a:ext cx="9416828" cy="9416828"/>
+            <a:off x="11049000" y="1943100"/>
+            <a:ext cx="7511828" cy="7511828"/>
           </a:xfrm>
           <a:prstGeom prst="rect">
             <a:avLst/>
           </a:prstGeom>
+          <a:solidFill>
+            <a:srgbClr val="EBEBEB"/>
+          </a:solidFill>
         </p:spPr>
       </p:pic>
+      <p:sp>
+        <p:nvSpPr>
+          <p:cNvPr id="3" name="TextBox 3"/>
+          <p:cNvSpPr txBox="1"/>
+          <p:nvPr/>
+        </p:nvSpPr>
+        <p:spPr>
+          <a:xfrm>
+            <a:off x="365236" y="2188845"/>
+            <a:ext cx="9404129" cy="2954655"/>
+          </a:xfrm>
+          <a:prstGeom prst="rect">
+            <a:avLst/>
+          </a:prstGeom>
+          <a:solidFill>
+            <a:srgbClr val="010E1D">
+              <a:alpha val="22000"/>
+            </a:srgbClr>
+          </a:solidFill>
+          <a:effectLst>
+            <a:softEdge rad="12700"/>
+          </a:effectLst>
+        </p:spPr>
+        <p:txBody>
+          <a:bodyPr wrap="square" lIns="0" tIns="0" rIns="0" bIns="0" rtlCol="0" anchor="t">
+            <a:spAutoFit/>
+          </a:bodyPr>
+          <a:lstStyle/>
+          <a:p>
+            <a:r>
+              <a:rPr lang="ru-RU" sz="4800" dirty="0">
+                <a:solidFill>
+                  <a:srgbClr val="F8F8F8"/>
+                </a:solidFill>
+                <a:latin typeface="Manrope Light" pitchFamily="2" charset="0"/>
+              </a:rPr>
+              <a:t>Необходимость в современном веб-приложении для планирования, анализа и учёта методической работы</a:t>
+            </a:r>
+            <a:r>
+              <a:rPr lang="en-US" sz="4800" dirty="0">
+                <a:solidFill>
+                  <a:srgbClr val="F8F8F8"/>
+                </a:solidFill>
+                <a:latin typeface="Manrope Light" pitchFamily="2" charset="0"/>
+              </a:rPr>
+              <a:t>.</a:t>
+            </a:r>
+            <a:endParaRPr lang="ru-RU" sz="4800" dirty="0">
+              <a:solidFill>
+                <a:srgbClr val="F8F8F8"/>
+              </a:solidFill>
+              <a:latin typeface="Manrope Light" pitchFamily="2" charset="0"/>
+            </a:endParaRPr>
+          </a:p>
+        </p:txBody>
+      </p:sp>
       <p:sp>
         <p:nvSpPr>
           <p:cNvPr id="2" name="TextBox 2"/>
@@ -5933,7 +5939,7 @@
             <a:r>
               <a:rPr lang="ru-RU" sz="11500" u="none" strike="noStrike" spc="-300" dirty="0">
                 <a:solidFill>
-                  <a:srgbClr val="3946BE"/>
+                  <a:srgbClr val="F4A530"/>
                 </a:solidFill>
                 <a:latin typeface="Manrope" pitchFamily="2" charset="0"/>
                 <a:ea typeface="Agrandir"/>
@@ -5944,7 +5950,7 @@
             </a:r>
             <a:endParaRPr lang="en-US" sz="11500" u="none" strike="noStrike" spc="-300" dirty="0">
               <a:solidFill>
-                <a:srgbClr val="3946BE"/>
+                <a:srgbClr val="F4A530"/>
               </a:solidFill>
               <a:latin typeface="Manrope" pitchFamily="2" charset="0"/>
               <a:ea typeface="Agrandir"/>
@@ -5983,7 +5989,7 @@
             <a:fld id="{B6F15528-21DE-4FAA-801E-634DDDAF4B2B}" type="slidenum">
               <a:rPr lang="en-US" sz="6600" smtClean="0">
                 <a:solidFill>
-                  <a:srgbClr val="3946BE"/>
+                  <a:srgbClr val="F4A530"/>
                 </a:solidFill>
                 <a:latin typeface="Manrope ExtraBold" pitchFamily="2" charset="0"/>
               </a:rPr>
@@ -5993,7 +5999,7 @@
             <a:r>
               <a:rPr lang="en-US" sz="6600" dirty="0">
                 <a:solidFill>
-                  <a:srgbClr val="3946BE"/>
+                  <a:srgbClr val="F4A530"/>
                 </a:solidFill>
                 <a:latin typeface="Manrope ExtraBold" pitchFamily="2" charset="0"/>
               </a:rPr>
@@ -6002,7 +6008,7 @@
             <a:r>
               <a:rPr lang="ru-RU" sz="6600" dirty="0">
                 <a:solidFill>
-                  <a:srgbClr val="3946BE"/>
+                  <a:srgbClr val="F4A530"/>
                 </a:solidFill>
                 <a:latin typeface="Manrope ExtraBold" pitchFamily="2" charset="0"/>
               </a:rPr>
@@ -6010,7 +6016,7 @@
             </a:r>
             <a:endParaRPr lang="en-US" sz="6600" dirty="0">
               <a:solidFill>
-                <a:srgbClr val="3946BE"/>
+                <a:srgbClr val="F4A530"/>
               </a:solidFill>
               <a:latin typeface="Manrope ExtraBold" pitchFamily="2" charset="0"/>
             </a:endParaRPr>
@@ -6022,13 +6028,13 @@
   <p:clrMapOvr>
     <a:masterClrMapping/>
   </p:clrMapOvr>
-  <mc:AlternateContent xmlns:mc="http://schemas.openxmlformats.org/markup-compatibility/2006">
-    <mc:Choice xmlns:p14="http://schemas.microsoft.com/office/powerpoint/2010/main" Requires="p14">
+  <mc:AlternateContent xmlns:mc="http://schemas.openxmlformats.org/markup-compatibility/2006" xmlns:p14="http://schemas.microsoft.com/office/powerpoint/2010/main">
+    <mc:Choice Requires="p14">
       <p:transition p14:dur="300">
         <p14:pan/>
       </p:transition>
     </mc:Choice>
-    <mc:Fallback>
+    <mc:Fallback xmlns="">
       <p:transition>
         <p:fade/>
       </p:transition>
@@ -6040,28 +6046,6 @@
 <file path=ppt/slides/slide3.xml><?xml version="1.0" encoding="utf-8"?>
 <p:sld xmlns:a="http://schemas.openxmlformats.org/drawingml/2006/main" xmlns:r="http://schemas.openxmlformats.org/officeDocument/2006/relationships" xmlns:p="http://schemas.openxmlformats.org/presentationml/2006/main">
   <p:cSld>
-    <p:bg>
-      <p:bgPr>
-        <a:gradFill rotWithShape="1">
-          <a:gsLst>
-            <a:gs pos="0">
-              <a:srgbClr val="23688F">
-                <a:alpha val="100000"/>
-              </a:srgbClr>
-            </a:gs>
-            <a:gs pos="100000">
-              <a:srgbClr val="0F5EA6">
-                <a:alpha val="100000"/>
-              </a:srgbClr>
-            </a:gs>
-          </a:gsLst>
-          <a:path path="circle">
-            <a:fillToRect l="50000" t="50000" r="50000" b="50000"/>
-          </a:path>
-        </a:gradFill>
-        <a:effectLst/>
-      </p:bgPr>
-    </p:bg>
     <p:spTree>
       <p:nvGrpSpPr>
         <p:cNvPr id="1" name=""/>
@@ -6076,178 +6060,6 @@
           <a:chExt cx="0" cy="0"/>
         </a:xfrm>
       </p:grpSpPr>
-      <p:grpSp>
-        <p:nvGrpSpPr>
-          <p:cNvPr id="3" name="Group 2">
-            <a:extLst>
-              <a:ext uri="{FF2B5EF4-FFF2-40B4-BE49-F238E27FC236}">
-                <a16:creationId xmlns:a16="http://schemas.microsoft.com/office/drawing/2014/main" id="{2BB439D6-0B12-AE4A-B9F3-8A4284DDC02E}"/>
-              </a:ext>
-            </a:extLst>
-          </p:cNvPr>
-          <p:cNvGrpSpPr/>
-          <p:nvPr/>
-        </p:nvGrpSpPr>
-        <p:grpSpPr>
-          <a:xfrm>
-            <a:off x="2362200" y="184931"/>
-            <a:ext cx="13584924" cy="1330467"/>
-            <a:chOff x="2112276" y="184931"/>
-            <a:chExt cx="13834848" cy="1330467"/>
-          </a:xfrm>
-        </p:grpSpPr>
-        <p:sp>
-          <p:nvSpPr>
-            <p:cNvPr id="2" name="Rectangle: Rounded Corners 1">
-              <a:extLst>
-                <a:ext uri="{FF2B5EF4-FFF2-40B4-BE49-F238E27FC236}">
-                  <a16:creationId xmlns:a16="http://schemas.microsoft.com/office/drawing/2014/main" id="{A23F7EB0-7867-C845-B28D-2C0A3871FECE}"/>
-                </a:ext>
-              </a:extLst>
-            </p:cNvPr>
-            <p:cNvSpPr/>
-            <p:nvPr/>
-          </p:nvSpPr>
-          <p:spPr>
-            <a:xfrm>
-              <a:off x="2112277" y="184931"/>
-              <a:ext cx="13834846" cy="1330467"/>
-            </a:xfrm>
-            <a:prstGeom prst="roundRect">
-              <a:avLst/>
-            </a:prstGeom>
-            <a:solidFill>
-              <a:schemeClr val="bg1"/>
-            </a:solidFill>
-            <a:ln>
-              <a:noFill/>
-            </a:ln>
-          </p:spPr>
-          <p:style>
-            <a:lnRef idx="2">
-              <a:schemeClr val="accent1">
-                <a:shade val="15000"/>
-              </a:schemeClr>
-            </a:lnRef>
-            <a:fillRef idx="1">
-              <a:schemeClr val="accent1"/>
-            </a:fillRef>
-            <a:effectRef idx="0">
-              <a:schemeClr val="accent1"/>
-            </a:effectRef>
-            <a:fontRef idx="minor">
-              <a:schemeClr val="lt1"/>
-            </a:fontRef>
-          </p:style>
-          <p:txBody>
-            <a:bodyPr rtlCol="0" anchor="ctr"/>
-            <a:lstStyle/>
-            <a:p>
-              <a:pPr algn="ctr"/>
-              <a:endParaRPr lang="ru-RU"/>
-            </a:p>
-          </p:txBody>
-        </p:sp>
-        <p:sp>
-          <p:nvSpPr>
-            <p:cNvPr id="26" name="Rectangle: Rounded Corners 25">
-              <a:extLst>
-                <a:ext uri="{FF2B5EF4-FFF2-40B4-BE49-F238E27FC236}">
-                  <a16:creationId xmlns:a16="http://schemas.microsoft.com/office/drawing/2014/main" id="{91CE1ADD-1EA1-0A00-2E15-E2F15A735A25}"/>
-                </a:ext>
-              </a:extLst>
-            </p:cNvPr>
-            <p:cNvSpPr/>
-            <p:nvPr/>
-          </p:nvSpPr>
-          <p:spPr>
-            <a:xfrm>
-              <a:off x="2112276" y="186784"/>
-              <a:ext cx="13834848" cy="1209268"/>
-            </a:xfrm>
-            <a:prstGeom prst="roundRect">
-              <a:avLst/>
-            </a:prstGeom>
-            <a:solidFill>
-              <a:srgbClr val="F4A530"/>
-            </a:solidFill>
-            <a:ln>
-              <a:noFill/>
-            </a:ln>
-          </p:spPr>
-          <p:style>
-            <a:lnRef idx="2">
-              <a:schemeClr val="accent1">
-                <a:shade val="15000"/>
-              </a:schemeClr>
-            </a:lnRef>
-            <a:fillRef idx="1">
-              <a:schemeClr val="accent1"/>
-            </a:fillRef>
-            <a:effectRef idx="0">
-              <a:schemeClr val="accent1"/>
-            </a:effectRef>
-            <a:fontRef idx="minor">
-              <a:schemeClr val="lt1"/>
-            </a:fontRef>
-          </p:style>
-          <p:txBody>
-            <a:bodyPr rtlCol="0" anchor="ctr"/>
-            <a:lstStyle/>
-            <a:p>
-              <a:pPr algn="ctr"/>
-              <a:endParaRPr lang="ru-RU"/>
-            </a:p>
-          </p:txBody>
-        </p:sp>
-      </p:grpSp>
-      <p:sp>
-        <p:nvSpPr>
-          <p:cNvPr id="4" name="TextBox 4"/>
-          <p:cNvSpPr txBox="1"/>
-          <p:nvPr/>
-        </p:nvSpPr>
-        <p:spPr>
-          <a:xfrm>
-            <a:off x="0" y="121787"/>
-            <a:ext cx="18288000" cy="1241815"/>
-          </a:xfrm>
-          <a:prstGeom prst="rect">
-            <a:avLst/>
-          </a:prstGeom>
-        </p:spPr>
-        <p:txBody>
-          <a:bodyPr wrap="square" lIns="0" tIns="0" rIns="0" bIns="0" rtlCol="0" anchor="ctr">
-            <a:spAutoFit/>
-          </a:bodyPr>
-          <a:lstStyle/>
-          <a:p>
-            <a:pPr marL="0" lvl="1" algn="ctr">
-              <a:lnSpc>
-                <a:spcPts val="10056"/>
-              </a:lnSpc>
-              <a:spcBef>
-                <a:spcPct val="0"/>
-              </a:spcBef>
-            </a:pPr>
-            <a:r>
-              <a:rPr lang="ru-RU" sz="8200" spc="-300" dirty="0">
-                <a:latin typeface="Manrope" pitchFamily="2" charset="0"/>
-              </a:rPr>
-              <a:t>Целевая аудитория</a:t>
-            </a:r>
-            <a:r>
-              <a:rPr lang="en-US" sz="8200" u="none" strike="noStrike" spc="-300" dirty="0">
-                <a:latin typeface="Manrope" pitchFamily="2" charset="0"/>
-                <a:ea typeface="Agrandir"/>
-                <a:cs typeface="Agrandir"/>
-                <a:sym typeface="Agrandir"/>
-              </a:rPr>
-              <a:t> </a:t>
-            </a:r>
-          </a:p>
-        </p:txBody>
-      </p:sp>
       <mc:AlternateContent xmlns:mc="http://schemas.openxmlformats.org/markup-compatibility/2006" xmlns:p14="http://schemas.microsoft.com/office/powerpoint/2010/main" xmlns:aink="http://schemas.microsoft.com/office/drawing/2016/ink">
         <mc:Choice Requires="p14 aink">
           <p:contentPart p14:bwMode="auto" r:id="rId3">
@@ -6888,18 +6700,77 @@
           </a:p>
         </p:txBody>
       </p:sp>
+      <p:sp>
+        <p:nvSpPr>
+          <p:cNvPr id="6" name="TextBox 2">
+            <a:extLst>
+              <a:ext uri="{FF2B5EF4-FFF2-40B4-BE49-F238E27FC236}">
+                <a16:creationId xmlns:a16="http://schemas.microsoft.com/office/drawing/2014/main" id="{BA15C49C-DD8F-5890-9844-DA9A45B2FED8}"/>
+              </a:ext>
+            </a:extLst>
+          </p:cNvPr>
+          <p:cNvSpPr txBox="1"/>
+          <p:nvPr/>
+        </p:nvSpPr>
+        <p:spPr>
+          <a:xfrm>
+            <a:off x="352536" y="411925"/>
+            <a:ext cx="14201664" cy="1360052"/>
+          </a:xfrm>
+          <a:prstGeom prst="rect">
+            <a:avLst/>
+          </a:prstGeom>
+        </p:spPr>
+        <p:txBody>
+          <a:bodyPr wrap="square" lIns="0" tIns="0" rIns="0" bIns="0" rtlCol="0" anchor="t">
+            <a:spAutoFit/>
+          </a:bodyPr>
+          <a:lstStyle/>
+          <a:p>
+            <a:pPr marL="0" lvl="1" indent="0" algn="l">
+              <a:lnSpc>
+                <a:spcPts val="10056"/>
+              </a:lnSpc>
+              <a:spcBef>
+                <a:spcPct val="0"/>
+              </a:spcBef>
+            </a:pPr>
+            <a:r>
+              <a:rPr lang="ru-RU" sz="11500" spc="-300" dirty="0">
+                <a:solidFill>
+                  <a:srgbClr val="F4A530"/>
+                </a:solidFill>
+                <a:latin typeface="Manrope" pitchFamily="2" charset="0"/>
+                <a:ea typeface="Agrandir"/>
+                <a:cs typeface="Agrandir"/>
+                <a:sym typeface="Agrandir"/>
+              </a:rPr>
+              <a:t>Целевая аудитория</a:t>
+            </a:r>
+            <a:endParaRPr lang="en-US" sz="11500" u="none" strike="noStrike" spc="-300" dirty="0">
+              <a:solidFill>
+                <a:srgbClr val="F4A530"/>
+              </a:solidFill>
+              <a:latin typeface="Manrope" pitchFamily="2" charset="0"/>
+              <a:ea typeface="Agrandir"/>
+              <a:cs typeface="Agrandir"/>
+              <a:sym typeface="Agrandir"/>
+            </a:endParaRPr>
+          </a:p>
+        </p:txBody>
+      </p:sp>
     </p:spTree>
   </p:cSld>
   <p:clrMapOvr>
     <a:masterClrMapping/>
   </p:clrMapOvr>
-  <mc:AlternateContent xmlns:mc="http://schemas.openxmlformats.org/markup-compatibility/2006">
-    <mc:Choice xmlns:p14="http://schemas.microsoft.com/office/powerpoint/2010/main" Requires="p14">
+  <mc:AlternateContent xmlns:mc="http://schemas.openxmlformats.org/markup-compatibility/2006" xmlns:p14="http://schemas.microsoft.com/office/powerpoint/2010/main">
+    <mc:Choice Requires="p14">
       <p:transition p14:dur="300">
         <p14:pan/>
       </p:transition>
     </mc:Choice>
-    <mc:Fallback>
+    <mc:Fallback xmlns="">
       <p:transition>
         <p:fade/>
       </p:transition>
@@ -6911,14 +6782,6 @@
 <file path=ppt/slides/slide4.xml><?xml version="1.0" encoding="utf-8"?>
 <p:sld xmlns:a="http://schemas.openxmlformats.org/drawingml/2006/main" xmlns:r="http://schemas.openxmlformats.org/officeDocument/2006/relationships" xmlns:p="http://schemas.openxmlformats.org/presentationml/2006/main">
   <p:cSld>
-    <p:bg>
-      <p:bgPr>
-        <a:solidFill>
-          <a:srgbClr val="EBEBEB"/>
-        </a:solidFill>
-        <a:effectLst/>
-      </p:bgPr>
-    </p:bg>
     <p:spTree>
       <p:nvGrpSpPr>
         <p:cNvPr id="1" name="">
@@ -6954,11 +6817,16 @@
         <p:spPr>
           <a:xfrm>
             <a:off x="365236" y="2188845"/>
-            <a:ext cx="10378964" cy="5170646"/>
+            <a:ext cx="9404129" cy="5170646"/>
           </a:xfrm>
           <a:prstGeom prst="rect">
             <a:avLst/>
           </a:prstGeom>
+          <a:solidFill>
+            <a:srgbClr val="010E1D">
+              <a:alpha val="21000"/>
+            </a:srgbClr>
+          </a:solidFill>
         </p:spPr>
         <p:txBody>
           <a:bodyPr wrap="square" lIns="0" tIns="0" rIns="0" bIns="0" rtlCol="0" anchor="t">
@@ -6968,9 +6836,12 @@
           <a:p>
             <a:r>
               <a:rPr lang="ru-RU" sz="4800" dirty="0">
+                <a:solidFill>
+                  <a:schemeClr val="bg1"/>
+                </a:solidFill>
                 <a:latin typeface="Manrope Light" pitchFamily="2" charset="0"/>
               </a:rPr>
-              <a:t>Разработать многопользовательской веб-приложения для планирования, учёта и анализа методической работы в средних общеобразовательных учреждениях</a:t>
+              <a:t>Разработать многопользовательское веб-приложение для планирования, учёта и анализа методической работы в средних общеобразовательных учреждениях</a:t>
             </a:r>
           </a:p>
         </p:txBody>
@@ -7008,6 +6879,14 @@
           <a:prstGeom prst="rect">
             <a:avLst/>
           </a:prstGeom>
+          <a:effectLst>
+            <a:glow>
+              <a:schemeClr val="accent1">
+                <a:alpha val="40000"/>
+              </a:schemeClr>
+            </a:glow>
+            <a:softEdge rad="0"/>
+          </a:effectLst>
         </p:spPr>
       </p:pic>
       <p:sp>
@@ -7048,7 +6927,7 @@
             <a:r>
               <a:rPr lang="ru-RU" sz="11500" u="none" strike="noStrike" spc="-300" dirty="0">
                 <a:solidFill>
-                  <a:srgbClr val="3946BE"/>
+                  <a:srgbClr val="F4A530"/>
                 </a:solidFill>
                 <a:latin typeface="Manrope" pitchFamily="2" charset="0"/>
                 <a:ea typeface="Agrandir"/>
@@ -7059,7 +6938,7 @@
             </a:r>
             <a:endParaRPr lang="en-US" sz="11500" u="none" strike="noStrike" spc="-300" dirty="0">
               <a:solidFill>
-                <a:srgbClr val="3946BE"/>
+                <a:srgbClr val="F4A530"/>
               </a:solidFill>
               <a:latin typeface="Manrope" pitchFamily="2" charset="0"/>
               <a:ea typeface="Agrandir"/>
@@ -7098,7 +6977,7 @@
             <a:fld id="{B6F15528-21DE-4FAA-801E-634DDDAF4B2B}" type="slidenum">
               <a:rPr lang="en-US" sz="6600" smtClean="0">
                 <a:solidFill>
-                  <a:srgbClr val="3946BE"/>
+                  <a:srgbClr val="F4A530"/>
                 </a:solidFill>
                 <a:latin typeface="Manrope ExtraBold" pitchFamily="2" charset="0"/>
               </a:rPr>
@@ -7108,7 +6987,7 @@
             <a:r>
               <a:rPr lang="en-US" sz="6600" dirty="0">
                 <a:solidFill>
-                  <a:srgbClr val="3946BE"/>
+                  <a:srgbClr val="F4A530"/>
                 </a:solidFill>
                 <a:latin typeface="Manrope ExtraBold" pitchFamily="2" charset="0"/>
               </a:rPr>
@@ -7117,7 +6996,7 @@
             <a:r>
               <a:rPr lang="ru-RU" sz="6600" dirty="0">
                 <a:solidFill>
-                  <a:srgbClr val="3946BE"/>
+                  <a:srgbClr val="F4A530"/>
                 </a:solidFill>
                 <a:latin typeface="Manrope ExtraBold" pitchFamily="2" charset="0"/>
               </a:rPr>
@@ -7125,7 +7004,7 @@
             </a:r>
             <a:endParaRPr lang="en-US" sz="6600" dirty="0">
               <a:solidFill>
-                <a:srgbClr val="3946BE"/>
+                <a:srgbClr val="F4A530"/>
               </a:solidFill>
               <a:latin typeface="Manrope ExtraBold" pitchFamily="2" charset="0"/>
             </a:endParaRPr>
@@ -7142,13 +7021,13 @@
   <p:clrMapOvr>
     <a:masterClrMapping/>
   </p:clrMapOvr>
-  <mc:AlternateContent xmlns:mc="http://schemas.openxmlformats.org/markup-compatibility/2006">
-    <mc:Choice xmlns:p14="http://schemas.microsoft.com/office/powerpoint/2010/main" Requires="p14">
+  <mc:AlternateContent xmlns:mc="http://schemas.openxmlformats.org/markup-compatibility/2006" xmlns:p14="http://schemas.microsoft.com/office/powerpoint/2010/main">
+    <mc:Choice Requires="p14">
       <p:transition p14:dur="300">
         <p14:pan/>
       </p:transition>
     </mc:Choice>
-    <mc:Fallback>
+    <mc:Fallback xmlns="">
       <p:transition>
         <p:fade/>
       </p:transition>
@@ -7160,14 +7039,6 @@
 <file path=ppt/slides/slide5.xml><?xml version="1.0" encoding="utf-8"?>
 <p:sld xmlns:a="http://schemas.openxmlformats.org/drawingml/2006/main" xmlns:r="http://schemas.openxmlformats.org/officeDocument/2006/relationships" xmlns:p="http://schemas.openxmlformats.org/presentationml/2006/main">
   <p:cSld>
-    <p:bg>
-      <p:bgPr>
-        <a:solidFill>
-          <a:srgbClr val="EBEBEB"/>
-        </a:solidFill>
-        <a:effectLst/>
-      </p:bgPr>
-    </p:bg>
     <p:spTree>
       <p:nvGrpSpPr>
         <p:cNvPr id="1" name=""/>
@@ -7611,8 +7482,8 @@
         </p:nvSpPr>
         <p:spPr>
           <a:xfrm>
-            <a:off x="2667596" y="7226506"/>
-            <a:ext cx="6097889" cy="2954655"/>
+            <a:off x="2667596" y="7965169"/>
+            <a:ext cx="6097889" cy="1477328"/>
           </a:xfrm>
           <a:prstGeom prst="rect">
             <a:avLst/>
@@ -7639,7 +7510,7 @@
                 <a:cs typeface="Aileron"/>
                 <a:sym typeface="Aileron"/>
               </a:rPr>
-              <a:t>Разработать клиентскую и серверную части веб-приложения</a:t>
+              <a:t>Разработать веб-приложение</a:t>
             </a:r>
           </a:p>
         </p:txBody>
@@ -7653,7 +7524,7 @@
         <p:spPr>
           <a:xfrm>
             <a:off x="11944217" y="4281203"/>
-            <a:ext cx="5932475" cy="1477328"/>
+            <a:ext cx="5932475" cy="2215991"/>
           </a:xfrm>
           <a:prstGeom prst="rect">
             <a:avLst/>
@@ -7672,7 +7543,18 @@
                 </a:solidFill>
                 <a:latin typeface="Manrope Light" pitchFamily="2" charset="0"/>
               </a:rPr>
-              <a:t>Спроектировать базу данных</a:t>
+              <a:t>Спроектировать и разработать</a:t>
+            </a:r>
+          </a:p>
+          <a:p>
+            <a:r>
+              <a:rPr lang="ru-RU" sz="4800" dirty="0">
+                <a:solidFill>
+                  <a:srgbClr val="F8F8F8"/>
+                </a:solidFill>
+                <a:latin typeface="Manrope Light" pitchFamily="2" charset="0"/>
+              </a:rPr>
+              <a:t>базу данных </a:t>
             </a:r>
           </a:p>
         </p:txBody>
@@ -7723,59 +7605,6 @@
               <a:ea typeface="Aileron"/>
               <a:cs typeface="Aileron"/>
               <a:sym typeface="Aileron"/>
-            </a:endParaRPr>
-          </a:p>
-        </p:txBody>
-      </p:sp>
-      <p:sp>
-        <p:nvSpPr>
-          <p:cNvPr id="18" name="TextBox 18"/>
-          <p:cNvSpPr txBox="1"/>
-          <p:nvPr/>
-        </p:nvSpPr>
-        <p:spPr>
-          <a:xfrm>
-            <a:off x="3342392" y="1085850"/>
-            <a:ext cx="11688470" cy="1377428"/>
-          </a:xfrm>
-          <a:prstGeom prst="rect">
-            <a:avLst/>
-          </a:prstGeom>
-        </p:spPr>
-        <p:txBody>
-          <a:bodyPr lIns="0" tIns="0" rIns="0" bIns="0" rtlCol="0" anchor="t">
-            <a:spAutoFit/>
-          </a:bodyPr>
-          <a:lstStyle/>
-          <a:p>
-            <a:pPr marL="0" lvl="1" indent="0" algn="ctr">
-              <a:lnSpc>
-                <a:spcPts val="10056"/>
-              </a:lnSpc>
-              <a:spcBef>
-                <a:spcPct val="0"/>
-              </a:spcBef>
-            </a:pPr>
-            <a:r>
-              <a:rPr lang="ru-RU" sz="11831" u="none" strike="noStrike" spc="-650" dirty="0">
-                <a:solidFill>
-                  <a:srgbClr val="1524A7"/>
-                </a:solidFill>
-                <a:latin typeface="Manrope Medium" pitchFamily="2" charset="0"/>
-                <a:ea typeface="Agrandir"/>
-                <a:cs typeface="Agrandir"/>
-                <a:sym typeface="Agrandir"/>
-              </a:rPr>
-              <a:t>Задачи</a:t>
-            </a:r>
-            <a:endParaRPr lang="en-US" sz="11831" u="none" strike="noStrike" spc="-650" dirty="0">
-              <a:solidFill>
-                <a:srgbClr val="1524A7"/>
-              </a:solidFill>
-              <a:latin typeface="Manrope Medium" pitchFamily="2" charset="0"/>
-              <a:ea typeface="Agrandir"/>
-              <a:cs typeface="Agrandir"/>
-              <a:sym typeface="Agrandir"/>
             </a:endParaRPr>
           </a:p>
         </p:txBody>
@@ -8019,18 +7848,77 @@
           </a:p>
         </p:txBody>
       </p:sp>
+      <p:sp>
+        <p:nvSpPr>
+          <p:cNvPr id="25" name="TextBox 2">
+            <a:extLst>
+              <a:ext uri="{FF2B5EF4-FFF2-40B4-BE49-F238E27FC236}">
+                <a16:creationId xmlns:a16="http://schemas.microsoft.com/office/drawing/2014/main" id="{E9E43427-698D-CBB7-5043-6A000514C847}"/>
+              </a:ext>
+            </a:extLst>
+          </p:cNvPr>
+          <p:cNvSpPr txBox="1"/>
+          <p:nvPr/>
+        </p:nvSpPr>
+        <p:spPr>
+          <a:xfrm>
+            <a:off x="352537" y="411925"/>
+            <a:ext cx="9416828" cy="1371273"/>
+          </a:xfrm>
+          <a:prstGeom prst="rect">
+            <a:avLst/>
+          </a:prstGeom>
+        </p:spPr>
+        <p:txBody>
+          <a:bodyPr wrap="square" lIns="0" tIns="0" rIns="0" bIns="0" rtlCol="0" anchor="t">
+            <a:spAutoFit/>
+          </a:bodyPr>
+          <a:lstStyle/>
+          <a:p>
+            <a:pPr marL="0" lvl="1" indent="0" algn="l">
+              <a:lnSpc>
+                <a:spcPts val="10056"/>
+              </a:lnSpc>
+              <a:spcBef>
+                <a:spcPct val="0"/>
+              </a:spcBef>
+            </a:pPr>
+            <a:r>
+              <a:rPr lang="ru-RU" sz="11500" u="none" strike="noStrike" spc="-300" dirty="0">
+                <a:solidFill>
+                  <a:srgbClr val="F4A530"/>
+                </a:solidFill>
+                <a:latin typeface="Manrope" pitchFamily="2" charset="0"/>
+                <a:ea typeface="Agrandir"/>
+                <a:cs typeface="Agrandir"/>
+                <a:sym typeface="Agrandir"/>
+              </a:rPr>
+              <a:t>Задачи</a:t>
+            </a:r>
+            <a:endParaRPr lang="en-US" sz="11500" u="none" strike="noStrike" spc="-300" dirty="0">
+              <a:solidFill>
+                <a:srgbClr val="F4A530"/>
+              </a:solidFill>
+              <a:latin typeface="Manrope" pitchFamily="2" charset="0"/>
+              <a:ea typeface="Agrandir"/>
+              <a:cs typeface="Agrandir"/>
+              <a:sym typeface="Agrandir"/>
+            </a:endParaRPr>
+          </a:p>
+        </p:txBody>
+      </p:sp>
     </p:spTree>
   </p:cSld>
   <p:clrMapOvr>
     <a:masterClrMapping/>
   </p:clrMapOvr>
-  <mc:AlternateContent xmlns:mc="http://schemas.openxmlformats.org/markup-compatibility/2006">
-    <mc:Choice xmlns:p14="http://schemas.microsoft.com/office/powerpoint/2010/main" Requires="p14">
+  <mc:AlternateContent xmlns:mc="http://schemas.openxmlformats.org/markup-compatibility/2006" xmlns:p14="http://schemas.microsoft.com/office/powerpoint/2010/main">
+    <mc:Choice Requires="p14">
       <p:transition p14:dur="300">
         <p14:pan/>
       </p:transition>
     </mc:Choice>
-    <mc:Fallback>
+    <mc:Fallback xmlns="">
       <p:transition>
         <p:fade/>
       </p:transition>
@@ -8042,14 +7930,6 @@
 <file path=ppt/slides/slide6.xml><?xml version="1.0" encoding="utf-8"?>
 <p:sld xmlns:a="http://schemas.openxmlformats.org/drawingml/2006/main" xmlns:r="http://schemas.openxmlformats.org/officeDocument/2006/relationships" xmlns:p="http://schemas.openxmlformats.org/presentationml/2006/main">
   <p:cSld>
-    <p:bg>
-      <p:bgPr>
-        <a:solidFill>
-          <a:srgbClr val="EBEBEB"/>
-        </a:solidFill>
-        <a:effectLst/>
-      </p:bgPr>
-    </p:bg>
     <p:spTree>
       <p:nvGrpSpPr>
         <p:cNvPr id="1" name=""/>
@@ -8064,59 +7944,6 @@
           <a:chExt cx="0" cy="0"/>
         </a:xfrm>
       </p:grpSpPr>
-      <p:sp>
-        <p:nvSpPr>
-          <p:cNvPr id="2" name="TextBox 2"/>
-          <p:cNvSpPr txBox="1"/>
-          <p:nvPr/>
-        </p:nvSpPr>
-        <p:spPr>
-          <a:xfrm>
-            <a:off x="685800" y="948917"/>
-            <a:ext cx="14178564" cy="1360052"/>
-          </a:xfrm>
-          <a:prstGeom prst="rect">
-            <a:avLst/>
-          </a:prstGeom>
-        </p:spPr>
-        <p:txBody>
-          <a:bodyPr wrap="square" lIns="0" tIns="0" rIns="0" bIns="0" rtlCol="0" anchor="t">
-            <a:spAutoFit/>
-          </a:bodyPr>
-          <a:lstStyle/>
-          <a:p>
-            <a:pPr marL="0" lvl="1" indent="0" algn="l">
-              <a:lnSpc>
-                <a:spcPts val="10056"/>
-              </a:lnSpc>
-              <a:spcBef>
-                <a:spcPct val="0"/>
-              </a:spcBef>
-            </a:pPr>
-            <a:r>
-              <a:rPr lang="ru-RU" sz="11500" u="none" strike="noStrike" spc="-650" dirty="0">
-                <a:solidFill>
-                  <a:srgbClr val="1524A7"/>
-                </a:solidFill>
-                <a:latin typeface="Manrope" pitchFamily="2" charset="0"/>
-                <a:ea typeface="Agrandir"/>
-                <a:cs typeface="Agrandir"/>
-                <a:sym typeface="Agrandir"/>
-              </a:rPr>
-              <a:t>Средства разработки</a:t>
-            </a:r>
-            <a:endParaRPr lang="en-US" sz="11500" u="none" strike="noStrike" spc="-650" dirty="0">
-              <a:solidFill>
-                <a:srgbClr val="1524A7"/>
-              </a:solidFill>
-              <a:latin typeface="Manrope" pitchFamily="2" charset="0"/>
-              <a:ea typeface="Agrandir"/>
-              <a:cs typeface="Agrandir"/>
-              <a:sym typeface="Agrandir"/>
-            </a:endParaRPr>
-          </a:p>
-        </p:txBody>
-      </p:sp>
       <p:grpSp>
         <p:nvGrpSpPr>
           <p:cNvPr id="4" name="Group 4"/>
@@ -8130,6 +7957,11 @@
             <a:chOff x="0" y="0"/>
             <a:chExt cx="4294897" cy="911966"/>
           </a:xfrm>
+          <a:solidFill>
+            <a:srgbClr val="010E1D">
+              <a:alpha val="22000"/>
+            </a:srgbClr>
+          </a:solidFill>
         </p:grpSpPr>
         <p:sp>
           <p:nvSpPr>
@@ -8166,23 +7998,10 @@
                 </a:path>
               </a:pathLst>
             </a:custGeom>
-            <a:gradFill rotWithShape="1">
-              <a:gsLst>
-                <a:gs pos="0">
-                  <a:srgbClr val="23688F">
-                    <a:alpha val="100000"/>
-                  </a:srgbClr>
-                </a:gs>
-                <a:gs pos="100000">
-                  <a:srgbClr val="0F5EA6">
-                    <a:alpha val="100000"/>
-                  </a:srgbClr>
-                </a:gs>
-              </a:gsLst>
-              <a:path path="circle">
-                <a:fillToRect l="50000" t="50000" r="50000" b="50000"/>
-              </a:path>
-            </a:gradFill>
+            <a:grpFill/>
+            <a:ln>
+              <a:noFill/>
+            </a:ln>
           </p:spPr>
           <p:txBody>
             <a:bodyPr/>
@@ -8206,6 +8025,10 @@
             <a:prstGeom prst="rect">
               <a:avLst/>
             </a:prstGeom>
+            <a:grpFill/>
+            <a:ln>
+              <a:noFill/>
+            </a:ln>
           </p:spPr>
           <p:txBody>
             <a:bodyPr lIns="50800" tIns="50800" rIns="50800" bIns="50800" rtlCol="0" anchor="ctr"/>
@@ -8216,101 +8039,11 @@
                   <a:spcPts val="2000"/>
                 </a:lnSpc>
               </a:pPr>
-              <a:endParaRPr/>
+              <a:endParaRPr dirty="0"/>
             </a:p>
           </p:txBody>
         </p:sp>
       </p:grpSp>
-      <p:grpSp>
-        <p:nvGrpSpPr>
-          <p:cNvPr id="7" name="Group 7"/>
-          <p:cNvGrpSpPr/>
-          <p:nvPr/>
-        </p:nvGrpSpPr>
-        <p:grpSpPr>
-          <a:xfrm>
-            <a:off x="0" y="7303038"/>
-            <a:ext cx="18288000" cy="2983962"/>
-            <a:chOff x="0" y="0"/>
-            <a:chExt cx="4294897" cy="700777"/>
-          </a:xfrm>
-        </p:grpSpPr>
-        <p:sp>
-          <p:nvSpPr>
-            <p:cNvPr id="8" name="Freeform 8"/>
-            <p:cNvSpPr/>
-            <p:nvPr/>
-          </p:nvSpPr>
-          <p:spPr>
-            <a:xfrm>
-              <a:off x="0" y="0"/>
-              <a:ext cx="4294897" cy="700777"/>
-            </a:xfrm>
-            <a:custGeom>
-              <a:avLst/>
-              <a:gdLst/>
-              <a:ahLst/>
-              <a:cxnLst/>
-              <a:rect l="l" t="t" r="r" b="b"/>
-              <a:pathLst>
-                <a:path w="4294897" h="700777">
-                  <a:moveTo>
-                    <a:pt x="0" y="0"/>
-                  </a:moveTo>
-                  <a:lnTo>
-                    <a:pt x="4294897" y="0"/>
-                  </a:lnTo>
-                  <a:lnTo>
-                    <a:pt x="4294897" y="700777"/>
-                  </a:lnTo>
-                  <a:lnTo>
-                    <a:pt x="0" y="700777"/>
-                  </a:lnTo>
-                  <a:close/>
-                </a:path>
-              </a:pathLst>
-            </a:custGeom>
-            <a:solidFill>
-              <a:srgbClr val="3946BE"/>
-            </a:solidFill>
-          </p:spPr>
-          <p:txBody>
-            <a:bodyPr/>
-            <a:lstStyle/>
-            <a:p>
-              <a:endParaRPr lang="ru-RU"/>
-            </a:p>
-          </p:txBody>
-        </p:sp>
-        <p:sp>
-          <p:nvSpPr>
-            <p:cNvPr id="9" name="TextBox 9"/>
-            <p:cNvSpPr txBox="1"/>
-            <p:nvPr/>
-          </p:nvSpPr>
-          <p:spPr>
-            <a:xfrm>
-              <a:off x="0" y="28575"/>
-              <a:ext cx="4294897" cy="672202"/>
-            </a:xfrm>
-            <a:prstGeom prst="rect">
-              <a:avLst/>
-            </a:prstGeom>
-          </p:spPr>
-          <p:txBody>
-            <a:bodyPr lIns="50800" tIns="50800" rIns="50800" bIns="50800" rtlCol="0" anchor="ctr"/>
-            <a:lstStyle/>
-            <a:p>
-              <a:pPr algn="ctr">
-                <a:lnSpc>
-                  <a:spcPts val="2000"/>
-                </a:lnSpc>
-              </a:pPr>
-              <a:endParaRPr/>
-            </a:p>
-          </p:txBody>
-        </p:sp>
-      </p:grpSp>
       <p:sp>
         <p:nvSpPr>
           <p:cNvPr id="10" name="TextBox 10"/>
@@ -8319,7 +8052,7 @@
         </p:nvSpPr>
         <p:spPr>
           <a:xfrm>
-            <a:off x="2333266" y="6130898"/>
+            <a:off x="291575" y="6042679"/>
             <a:ext cx="2260992" cy="331116"/>
           </a:xfrm>
           <a:prstGeom prst="rect">
@@ -8372,7 +8105,7 @@
         </p:nvSpPr>
         <p:spPr>
           <a:xfrm>
-            <a:off x="5860128" y="6117397"/>
+            <a:off x="3818437" y="6029178"/>
             <a:ext cx="2954089" cy="331116"/>
           </a:xfrm>
           <a:prstGeom prst="rect">
@@ -8416,7 +8149,7 @@
         </p:nvSpPr>
         <p:spPr>
           <a:xfrm>
-            <a:off x="10223293" y="6117397"/>
+            <a:off x="8181602" y="6029178"/>
             <a:ext cx="2325715" cy="331116"/>
           </a:xfrm>
           <a:prstGeom prst="rect">
@@ -8469,7 +8202,7 @@
         </p:nvSpPr>
         <p:spPr>
           <a:xfrm>
-            <a:off x="13812126" y="6165067"/>
+            <a:off x="11770435" y="6076848"/>
             <a:ext cx="2437102" cy="331116"/>
           </a:xfrm>
           <a:prstGeom prst="rect">
@@ -8528,54 +8261,13 @@
       </p:sp>
       <p:sp>
         <p:nvSpPr>
-          <p:cNvPr id="18" name="TextBox 18"/>
-          <p:cNvSpPr txBox="1"/>
-          <p:nvPr/>
-        </p:nvSpPr>
-        <p:spPr>
-          <a:xfrm>
-            <a:off x="3784116" y="8141580"/>
-            <a:ext cx="10719768" cy="382284"/>
-          </a:xfrm>
-          <a:prstGeom prst="rect">
-            <a:avLst/>
-          </a:prstGeom>
-        </p:spPr>
-        <p:txBody>
-          <a:bodyPr lIns="0" tIns="0" rIns="0" bIns="0" rtlCol="0" anchor="t">
-            <a:spAutoFit/>
-          </a:bodyPr>
-          <a:lstStyle/>
-          <a:p>
-            <a:pPr marL="0" lvl="0" indent="0" algn="ctr">
-              <a:lnSpc>
-                <a:spcPts val="3300"/>
-              </a:lnSpc>
-              <a:spcBef>
-                <a:spcPct val="0"/>
-              </a:spcBef>
-            </a:pPr>
-            <a:endParaRPr lang="en-US" sz="2200" u="none" strike="noStrike" spc="72" dirty="0">
-              <a:solidFill>
-                <a:srgbClr val="EBEBEB"/>
-              </a:solidFill>
-              <a:latin typeface="Aileron"/>
-              <a:ea typeface="Aileron"/>
-              <a:cs typeface="Aileron"/>
-              <a:sym typeface="Aileron"/>
-            </a:endParaRPr>
-          </a:p>
-        </p:txBody>
-      </p:sp>
-      <p:sp>
-        <p:nvSpPr>
           <p:cNvPr id="19" name="AutoShape 19"/>
           <p:cNvSpPr/>
           <p:nvPr/>
         </p:nvSpPr>
         <p:spPr>
           <a:xfrm>
-            <a:off x="5194002" y="4234966"/>
+            <a:off x="3152311" y="4146747"/>
             <a:ext cx="0" cy="2471026"/>
           </a:xfrm>
           <a:prstGeom prst="line">
@@ -8606,7 +8298,7 @@
         </p:nvSpPr>
         <p:spPr>
           <a:xfrm>
-            <a:off x="9480343" y="4234966"/>
+            <a:off x="7438652" y="4146747"/>
             <a:ext cx="0" cy="2471026"/>
           </a:xfrm>
           <a:prstGeom prst="line">
@@ -8637,7 +8329,7 @@
         </p:nvSpPr>
         <p:spPr>
           <a:xfrm>
-            <a:off x="13180567" y="4234966"/>
+            <a:off x="11138876" y="4146747"/>
             <a:ext cx="0" cy="2471026"/>
           </a:xfrm>
           <a:prstGeom prst="line">
@@ -8688,7 +8380,7 @@
         </p:blipFill>
         <p:spPr>
           <a:xfrm>
-            <a:off x="2375555" y="4167380"/>
+            <a:off x="333864" y="4079161"/>
             <a:ext cx="2307284" cy="1872745"/>
           </a:xfrm>
           <a:prstGeom prst="rect">
@@ -8723,7 +8415,7 @@
         </p:blipFill>
         <p:spPr>
           <a:xfrm>
-            <a:off x="6400800" y="4148187"/>
+            <a:off x="4359109" y="4059968"/>
             <a:ext cx="1872745" cy="1872745"/>
           </a:xfrm>
           <a:prstGeom prst="rect">
@@ -8765,7 +8457,7 @@
         </p:blipFill>
         <p:spPr>
           <a:xfrm>
-            <a:off x="10394083" y="4160887"/>
+            <a:off x="8352392" y="4072668"/>
             <a:ext cx="1872745" cy="1872745"/>
           </a:xfrm>
           <a:prstGeom prst="rect">
@@ -8807,7 +8499,7 @@
         </p:blipFill>
         <p:spPr>
           <a:xfrm>
-            <a:off x="14094306" y="4088719"/>
+            <a:off x="12052615" y="4000500"/>
             <a:ext cx="1872745" cy="1872745"/>
           </a:xfrm>
           <a:prstGeom prst="rect">
@@ -8851,7 +8543,7 @@
             <a:fld id="{B6F15528-21DE-4FAA-801E-634DDDAF4B2B}" type="slidenum">
               <a:rPr lang="en-US" sz="6600" smtClean="0">
                 <a:solidFill>
-                  <a:srgbClr val="3946BE"/>
+                  <a:srgbClr val="F4A530"/>
                 </a:solidFill>
                 <a:latin typeface="Manrope ExtraBold" pitchFamily="2" charset="0"/>
               </a:rPr>
@@ -8861,7 +8553,7 @@
             <a:r>
               <a:rPr lang="en-US" sz="6600" dirty="0">
                 <a:solidFill>
-                  <a:srgbClr val="3946BE"/>
+                  <a:srgbClr val="F4A530"/>
                 </a:solidFill>
                 <a:latin typeface="Manrope ExtraBold" pitchFamily="2" charset="0"/>
               </a:rPr>
@@ -8870,7 +8562,7 @@
             <a:r>
               <a:rPr lang="ru-RU" sz="6600" dirty="0">
                 <a:solidFill>
-                  <a:srgbClr val="3946BE"/>
+                  <a:srgbClr val="F4A530"/>
                 </a:solidFill>
                 <a:latin typeface="Manrope ExtraBold" pitchFamily="2" charset="0"/>
               </a:rPr>
@@ -8878,7 +8570,7 @@
             </a:r>
             <a:endParaRPr lang="en-US" sz="6600" dirty="0">
               <a:solidFill>
-                <a:srgbClr val="3946BE"/>
+                <a:srgbClr val="F4A530"/>
               </a:solidFill>
               <a:latin typeface="Manrope ExtraBold" pitchFamily="2" charset="0"/>
             </a:endParaRPr>
@@ -8887,10 +8579,10 @@
       </p:sp>
       <p:sp>
         <p:nvSpPr>
-          <p:cNvPr id="11" name="TextBox 18">
+          <p:cNvPr id="7" name="TextBox 2">
             <a:extLst>
               <a:ext uri="{FF2B5EF4-FFF2-40B4-BE49-F238E27FC236}">
-                <a16:creationId xmlns:a16="http://schemas.microsoft.com/office/drawing/2014/main" id="{B42A3504-C156-21C8-BBE6-874850B15325}"/>
+                <a16:creationId xmlns:a16="http://schemas.microsoft.com/office/drawing/2014/main" id="{0414754F-CCE7-5F34-9A3D-FBB25F491968}"/>
               </a:ext>
             </a:extLst>
           </p:cNvPr>
@@ -8899,63 +8591,201 @@
         </p:nvSpPr>
         <p:spPr>
           <a:xfrm>
-            <a:off x="3784116" y="8141580"/>
-            <a:ext cx="10719768" cy="389850"/>
+            <a:off x="352536" y="411925"/>
+            <a:ext cx="14811263" cy="1360052"/>
           </a:xfrm>
           <a:prstGeom prst="rect">
             <a:avLst/>
           </a:prstGeom>
         </p:spPr>
         <p:txBody>
-          <a:bodyPr lIns="0" tIns="0" rIns="0" bIns="0" rtlCol="0" anchor="t">
+          <a:bodyPr wrap="square" lIns="0" tIns="0" rIns="0" bIns="0" rtlCol="0" anchor="t">
             <a:spAutoFit/>
           </a:bodyPr>
           <a:lstStyle/>
           <a:p>
-            <a:pPr marL="0" lvl="0" indent="0" algn="ctr">
+            <a:pPr marL="0" lvl="1" indent="0" algn="l">
               <a:lnSpc>
-                <a:spcPts val="3300"/>
+                <a:spcPts val="10056"/>
               </a:lnSpc>
               <a:spcBef>
                 <a:spcPct val="0"/>
               </a:spcBef>
             </a:pPr>
             <a:r>
-              <a:rPr lang="ru-RU" sz="2200" spc="72" dirty="0">
+              <a:rPr lang="ru-RU" sz="11500" u="none" strike="noStrike" spc="-300" dirty="0">
+                <a:solidFill>
+                  <a:srgbClr val="F4A530"/>
+                </a:solidFill>
+                <a:latin typeface="Manrope" pitchFamily="2" charset="0"/>
+                <a:ea typeface="Agrandir"/>
+                <a:cs typeface="Agrandir"/>
+                <a:sym typeface="Agrandir"/>
+              </a:rPr>
+              <a:t>Средства разработки</a:t>
+            </a:r>
+            <a:endParaRPr lang="en-US" sz="11500" u="none" strike="noStrike" spc="-300" dirty="0">
+              <a:solidFill>
+                <a:srgbClr val="F4A530"/>
+              </a:solidFill>
+              <a:latin typeface="Manrope" pitchFamily="2" charset="0"/>
+              <a:ea typeface="Agrandir"/>
+              <a:cs typeface="Agrandir"/>
+              <a:sym typeface="Agrandir"/>
+            </a:endParaRPr>
+          </a:p>
+        </p:txBody>
+      </p:sp>
+      <p:sp>
+        <p:nvSpPr>
+          <p:cNvPr id="8" name="TextBox 16">
+            <a:extLst>
+              <a:ext uri="{FF2B5EF4-FFF2-40B4-BE49-F238E27FC236}">
+                <a16:creationId xmlns:a16="http://schemas.microsoft.com/office/drawing/2014/main" id="{E283EA43-12D2-D8FF-5372-3031B816DAD2}"/>
+              </a:ext>
+            </a:extLst>
+          </p:cNvPr>
+          <p:cNvSpPr txBox="1"/>
+          <p:nvPr/>
+        </p:nvSpPr>
+        <p:spPr>
+          <a:xfrm>
+            <a:off x="15426549" y="6068989"/>
+            <a:ext cx="2437102" cy="331116"/>
+          </a:xfrm>
+          <a:prstGeom prst="rect">
+            <a:avLst/>
+          </a:prstGeom>
+        </p:spPr>
+        <p:txBody>
+          <a:bodyPr wrap="square" lIns="0" tIns="0" rIns="0" bIns="0" rtlCol="0" anchor="t">
+            <a:spAutoFit/>
+          </a:bodyPr>
+          <a:lstStyle/>
+          <a:p>
+            <a:pPr marL="0" lvl="0" indent="0" algn="ctr">
+              <a:lnSpc>
+                <a:spcPts val="2747"/>
+              </a:lnSpc>
+              <a:spcBef>
+                <a:spcPct val="0"/>
+              </a:spcBef>
+            </a:pPr>
+            <a:r>
+              <a:rPr lang="ru-RU" sz="2113" b="1" u="none" strike="noStrike" dirty="0">
                 <a:solidFill>
                   <a:srgbClr val="EBEBEB"/>
                 </a:solidFill>
-                <a:latin typeface="Aileron"/>
-                <a:ea typeface="Aileron"/>
-                <a:cs typeface="Aileron"/>
-                <a:sym typeface="Aileron"/>
+                <a:latin typeface="Manrope" pitchFamily="2" charset="0"/>
+                <a:ea typeface="Aileron Bold"/>
+                <a:cs typeface="Aileron Bold"/>
+                <a:sym typeface="Aileron Bold"/>
               </a:rPr>
-              <a:t>Немного текста</a:t>
-            </a:r>
-            <a:endParaRPr lang="en-US" sz="2200" u="none" strike="noStrike" spc="72" dirty="0">
+              <a:t>Контейнеризация</a:t>
+            </a:r>
+            <a:endParaRPr lang="en-US" sz="2113" b="1" u="none" strike="noStrike" dirty="0">
               <a:solidFill>
                 <a:srgbClr val="EBEBEB"/>
               </a:solidFill>
-              <a:latin typeface="Aileron"/>
-              <a:ea typeface="Aileron"/>
-              <a:cs typeface="Aileron"/>
-              <a:sym typeface="Aileron"/>
+              <a:latin typeface="Manrope" pitchFamily="2" charset="0"/>
+              <a:ea typeface="Aileron Bold"/>
+              <a:cs typeface="Aileron Bold"/>
+              <a:sym typeface="Aileron Bold"/>
             </a:endParaRPr>
           </a:p>
         </p:txBody>
       </p:sp>
+      <p:sp>
+        <p:nvSpPr>
+          <p:cNvPr id="9" name="AutoShape 21">
+            <a:extLst>
+              <a:ext uri="{FF2B5EF4-FFF2-40B4-BE49-F238E27FC236}">
+                <a16:creationId xmlns:a16="http://schemas.microsoft.com/office/drawing/2014/main" id="{7045309D-1CF0-6E1F-98EC-81E6A7BC4A2C}"/>
+              </a:ext>
+            </a:extLst>
+          </p:cNvPr>
+          <p:cNvSpPr/>
+          <p:nvPr/>
+        </p:nvSpPr>
+        <p:spPr>
+          <a:xfrm>
+            <a:off x="14794990" y="4138888"/>
+            <a:ext cx="0" cy="2471026"/>
+          </a:xfrm>
+          <a:prstGeom prst="line">
+            <a:avLst/>
+          </a:prstGeom>
+          <a:ln w="38100" cap="flat">
+            <a:solidFill>
+              <a:srgbClr val="FFFFFF"/>
+            </a:solidFill>
+            <a:prstDash val="solid"/>
+            <a:headEnd type="none" w="sm" len="sm"/>
+            <a:tailEnd type="none" w="sm" len="sm"/>
+          </a:ln>
+        </p:spPr>
+        <p:txBody>
+          <a:bodyPr/>
+          <a:lstStyle/>
+          <a:p>
+            <a:endParaRPr lang="ru-RU"/>
+          </a:p>
+        </p:txBody>
+      </p:sp>
+      <p:pic>
+        <p:nvPicPr>
+          <p:cNvPr id="11" name="Picture 10">
+            <a:extLst>
+              <a:ext uri="{FF2B5EF4-FFF2-40B4-BE49-F238E27FC236}">
+                <a16:creationId xmlns:a16="http://schemas.microsoft.com/office/drawing/2014/main" id="{6DA7A8A4-8419-F42C-3DB3-E21F250F9D43}"/>
+              </a:ext>
+            </a:extLst>
+          </p:cNvPr>
+          <p:cNvPicPr>
+            <a:picLocks noChangeAspect="1"/>
+          </p:cNvPicPr>
+          <p:nvPr/>
+        </p:nvPicPr>
+        <p:blipFill>
+          <a:blip r:embed="rId6" cstate="print">
+            <a:extLst>
+              <a:ext uri="{28A0092B-C50C-407E-A947-70E740481C1C}">
+                <a14:useLocalDpi xmlns:a14="http://schemas.microsoft.com/office/drawing/2010/main" val="0"/>
+              </a:ext>
+            </a:extLst>
+          </a:blip>
+          <a:srcRect/>
+          <a:stretch/>
+        </p:blipFill>
+        <p:spPr>
+          <a:xfrm>
+            <a:off x="15708729" y="3992641"/>
+            <a:ext cx="1872745" cy="1872745"/>
+          </a:xfrm>
+          <a:prstGeom prst="rect">
+            <a:avLst/>
+          </a:prstGeom>
+          <a:effectLst>
+            <a:outerShdw blurRad="50800" dist="38100" dir="2700000" algn="tl" rotWithShape="0">
+              <a:prstClr val="black">
+                <a:alpha val="40000"/>
+              </a:prstClr>
+            </a:outerShdw>
+          </a:effectLst>
+        </p:spPr>
+      </p:pic>
     </p:spTree>
   </p:cSld>
   <p:clrMapOvr>
     <a:masterClrMapping/>
   </p:clrMapOvr>
-  <mc:AlternateContent xmlns:mc="http://schemas.openxmlformats.org/markup-compatibility/2006">
-    <mc:Choice xmlns:p14="http://schemas.microsoft.com/office/powerpoint/2010/main" Requires="p14">
+  <mc:AlternateContent xmlns:mc="http://schemas.openxmlformats.org/markup-compatibility/2006" xmlns:p14="http://schemas.microsoft.com/office/powerpoint/2010/main">
+    <mc:Choice Requires="p14">
       <p:transition p14:dur="300">
         <p14:pan/>
       </p:transition>
     </mc:Choice>
-    <mc:Fallback>
+    <mc:Fallback xmlns="">
       <p:transition>
         <p:fade/>
       </p:transition>
@@ -8967,28 +8797,6 @@
 <file path=ppt/slides/slide7.xml><?xml version="1.0" encoding="utf-8"?>
 <p:sld xmlns:a="http://schemas.openxmlformats.org/drawingml/2006/main" xmlns:r="http://schemas.openxmlformats.org/officeDocument/2006/relationships" xmlns:p="http://schemas.openxmlformats.org/presentationml/2006/main">
   <p:cSld>
-    <p:bg>
-      <p:bgPr>
-        <a:gradFill rotWithShape="1">
-          <a:gsLst>
-            <a:gs pos="0">
-              <a:srgbClr val="23688F">
-                <a:alpha val="100000"/>
-              </a:srgbClr>
-            </a:gs>
-            <a:gs pos="100000">
-              <a:srgbClr val="0F5EA6">
-                <a:alpha val="100000"/>
-              </a:srgbClr>
-            </a:gs>
-          </a:gsLst>
-          <a:path path="circle">
-            <a:fillToRect l="50000" t="50000" r="50000" b="50000"/>
-          </a:path>
-        </a:gradFill>
-        <a:effectLst/>
-      </p:bgPr>
-    </p:bg>
     <p:spTree>
       <p:nvGrpSpPr>
         <p:cNvPr id="1" name="">
@@ -9009,194 +8817,6 @@
           <a:chExt cx="0" cy="0"/>
         </a:xfrm>
       </p:grpSpPr>
-      <p:grpSp>
-        <p:nvGrpSpPr>
-          <p:cNvPr id="3" name="Group 2">
-            <a:extLst>
-              <a:ext uri="{FF2B5EF4-FFF2-40B4-BE49-F238E27FC236}">
-                <a16:creationId xmlns:a16="http://schemas.microsoft.com/office/drawing/2014/main" id="{877C400D-2F04-92B9-4E10-D199AE39219D}"/>
-              </a:ext>
-            </a:extLst>
-          </p:cNvPr>
-          <p:cNvGrpSpPr/>
-          <p:nvPr/>
-        </p:nvGrpSpPr>
-        <p:grpSpPr>
-          <a:xfrm>
-            <a:off x="2362200" y="184931"/>
-            <a:ext cx="13584924" cy="1330467"/>
-            <a:chOff x="2112276" y="184931"/>
-            <a:chExt cx="13834848" cy="1330467"/>
-          </a:xfrm>
-          <a:effectLst/>
-        </p:grpSpPr>
-        <p:sp>
-          <p:nvSpPr>
-            <p:cNvPr id="2" name="Rectangle: Rounded Corners 1">
-              <a:extLst>
-                <a:ext uri="{FF2B5EF4-FFF2-40B4-BE49-F238E27FC236}">
-                  <a16:creationId xmlns:a16="http://schemas.microsoft.com/office/drawing/2014/main" id="{3C4D4191-02D4-0B51-B600-9863413EE258}"/>
-                </a:ext>
-              </a:extLst>
-            </p:cNvPr>
-            <p:cNvSpPr/>
-            <p:nvPr/>
-          </p:nvSpPr>
-          <p:spPr>
-            <a:xfrm>
-              <a:off x="2112277" y="184931"/>
-              <a:ext cx="13834846" cy="1330467"/>
-            </a:xfrm>
-            <a:prstGeom prst="roundRect">
-              <a:avLst/>
-            </a:prstGeom>
-            <a:solidFill>
-              <a:schemeClr val="bg1"/>
-            </a:solidFill>
-            <a:ln>
-              <a:noFill/>
-            </a:ln>
-          </p:spPr>
-          <p:style>
-            <a:lnRef idx="2">
-              <a:schemeClr val="accent1">
-                <a:shade val="15000"/>
-              </a:schemeClr>
-            </a:lnRef>
-            <a:fillRef idx="1">
-              <a:schemeClr val="accent1"/>
-            </a:fillRef>
-            <a:effectRef idx="0">
-              <a:schemeClr val="accent1"/>
-            </a:effectRef>
-            <a:fontRef idx="minor">
-              <a:schemeClr val="lt1"/>
-            </a:fontRef>
-          </p:style>
-          <p:txBody>
-            <a:bodyPr rtlCol="0" anchor="ctr"/>
-            <a:lstStyle/>
-            <a:p>
-              <a:pPr algn="ctr"/>
-              <a:endParaRPr lang="ru-RU"/>
-            </a:p>
-          </p:txBody>
-        </p:sp>
-        <p:sp>
-          <p:nvSpPr>
-            <p:cNvPr id="26" name="Rectangle: Rounded Corners 25">
-              <a:extLst>
-                <a:ext uri="{FF2B5EF4-FFF2-40B4-BE49-F238E27FC236}">
-                  <a16:creationId xmlns:a16="http://schemas.microsoft.com/office/drawing/2014/main" id="{74E82627-3FCF-B0BD-2D4F-2E3B8505B8B4}"/>
-                </a:ext>
-              </a:extLst>
-            </p:cNvPr>
-            <p:cNvSpPr/>
-            <p:nvPr/>
-          </p:nvSpPr>
-          <p:spPr>
-            <a:xfrm>
-              <a:off x="2112276" y="186784"/>
-              <a:ext cx="13834848" cy="1209268"/>
-            </a:xfrm>
-            <a:prstGeom prst="roundRect">
-              <a:avLst/>
-            </a:prstGeom>
-            <a:solidFill>
-              <a:srgbClr val="F4A530"/>
-            </a:solidFill>
-            <a:ln>
-              <a:noFill/>
-            </a:ln>
-          </p:spPr>
-          <p:style>
-            <a:lnRef idx="2">
-              <a:schemeClr val="accent1">
-                <a:shade val="15000"/>
-              </a:schemeClr>
-            </a:lnRef>
-            <a:fillRef idx="1">
-              <a:schemeClr val="accent1"/>
-            </a:fillRef>
-            <a:effectRef idx="0">
-              <a:schemeClr val="accent1"/>
-            </a:effectRef>
-            <a:fontRef idx="minor">
-              <a:schemeClr val="lt1"/>
-            </a:fontRef>
-          </p:style>
-          <p:txBody>
-            <a:bodyPr rtlCol="0" anchor="ctr"/>
-            <a:lstStyle/>
-            <a:p>
-              <a:pPr algn="ctr"/>
-              <a:endParaRPr lang="ru-RU"/>
-            </a:p>
-          </p:txBody>
-        </p:sp>
-      </p:grpSp>
-      <p:sp>
-        <p:nvSpPr>
-          <p:cNvPr id="4" name="TextBox 4">
-            <a:extLst>
-              <a:ext uri="{FF2B5EF4-FFF2-40B4-BE49-F238E27FC236}">
-                <a16:creationId xmlns:a16="http://schemas.microsoft.com/office/drawing/2014/main" id="{53312DDA-4DFC-B74D-914D-250084B30DA6}"/>
-              </a:ext>
-            </a:extLst>
-          </p:cNvPr>
-          <p:cNvSpPr txBox="1"/>
-          <p:nvPr/>
-        </p:nvSpPr>
-        <p:spPr>
-          <a:xfrm>
-            <a:off x="0" y="101753"/>
-            <a:ext cx="18288000" cy="1295226"/>
-          </a:xfrm>
-          <a:prstGeom prst="rect">
-            <a:avLst/>
-          </a:prstGeom>
-        </p:spPr>
-        <p:txBody>
-          <a:bodyPr wrap="square" lIns="0" tIns="0" rIns="0" bIns="0" rtlCol="0" anchor="ctr">
-            <a:spAutoFit/>
-          </a:bodyPr>
-          <a:lstStyle/>
-          <a:p>
-            <a:pPr marL="0" lvl="1" algn="ctr">
-              <a:lnSpc>
-                <a:spcPts val="10056"/>
-              </a:lnSpc>
-              <a:spcBef>
-                <a:spcPct val="0"/>
-              </a:spcBef>
-            </a:pPr>
-            <a:r>
-              <a:rPr lang="ru-RU" sz="9000" u="none" strike="noStrike" spc="-300" dirty="0">
-                <a:latin typeface="Manrope" pitchFamily="2" charset="0"/>
-                <a:ea typeface="Agrandir"/>
-                <a:cs typeface="Agrandir"/>
-                <a:sym typeface="Agrandir"/>
-              </a:rPr>
-              <a:t>Архитектура</a:t>
-            </a:r>
-            <a:r>
-              <a:rPr lang="ru-RU" sz="9000" spc="-300" dirty="0">
-                <a:latin typeface="Manrope" pitchFamily="2" charset="0"/>
-                <a:ea typeface="Agrandir"/>
-                <a:cs typeface="Agrandir"/>
-                <a:sym typeface="Agrandir"/>
-              </a:rPr>
-              <a:t> системы</a:t>
-            </a:r>
-            <a:endParaRPr lang="en-US" sz="9000" u="none" strike="noStrike" spc="-300" dirty="0">
-              <a:latin typeface="Manrope" pitchFamily="2" charset="0"/>
-              <a:ea typeface="Agrandir"/>
-              <a:cs typeface="Agrandir"/>
-              <a:sym typeface="Agrandir"/>
-            </a:endParaRPr>
-          </a:p>
-        </p:txBody>
-      </p:sp>
       <mc:AlternateContent xmlns:mc="http://schemas.openxmlformats.org/markup-compatibility/2006" xmlns:p14="http://schemas.microsoft.com/office/powerpoint/2010/main" xmlns:aink="http://schemas.microsoft.com/office/drawing/2016/ink">
         <mc:Choice Requires="p14 aink">
           <p:contentPart p14:bwMode="auto" r:id="rId3">
@@ -9505,14 +9125,13 @@
               </a:ext>
             </a:extLst>
           </a:blip>
-          <a:stretch>
-            <a:fillRect/>
-          </a:stretch>
+          <a:srcRect/>
+          <a:stretch/>
         </p:blipFill>
         <p:spPr>
           <a:xfrm>
-            <a:off x="2040146" y="1913890"/>
-            <a:ext cx="14207708" cy="6459220"/>
+            <a:off x="2054298" y="1913890"/>
+            <a:ext cx="14179403" cy="6459220"/>
           </a:xfrm>
           <a:prstGeom prst="rect">
             <a:avLst/>
@@ -9582,6 +9201,65 @@
           </a:p>
         </p:txBody>
       </p:sp>
+      <p:sp>
+        <p:nvSpPr>
+          <p:cNvPr id="6" name="TextBox 2">
+            <a:extLst>
+              <a:ext uri="{FF2B5EF4-FFF2-40B4-BE49-F238E27FC236}">
+                <a16:creationId xmlns:a16="http://schemas.microsoft.com/office/drawing/2014/main" id="{03B8908C-1D63-CB1F-D33C-10CA0CE53489}"/>
+              </a:ext>
+            </a:extLst>
+          </p:cNvPr>
+          <p:cNvSpPr txBox="1"/>
+          <p:nvPr/>
+        </p:nvSpPr>
+        <p:spPr>
+          <a:xfrm>
+            <a:off x="609600" y="366163"/>
+            <a:ext cx="14886742" cy="1360052"/>
+          </a:xfrm>
+          <a:prstGeom prst="rect">
+            <a:avLst/>
+          </a:prstGeom>
+        </p:spPr>
+        <p:txBody>
+          <a:bodyPr wrap="square" lIns="0" tIns="0" rIns="0" bIns="0" rtlCol="0" anchor="t">
+            <a:spAutoFit/>
+          </a:bodyPr>
+          <a:lstStyle/>
+          <a:p>
+            <a:pPr marL="0" lvl="1" indent="0" algn="l">
+              <a:lnSpc>
+                <a:spcPts val="10056"/>
+              </a:lnSpc>
+              <a:spcBef>
+                <a:spcPct val="0"/>
+              </a:spcBef>
+            </a:pPr>
+            <a:r>
+              <a:rPr lang="ru-RU" sz="11500" u="none" strike="noStrike" spc="-300" dirty="0">
+                <a:solidFill>
+                  <a:srgbClr val="F4A530"/>
+                </a:solidFill>
+                <a:latin typeface="Manrope" pitchFamily="2" charset="0"/>
+                <a:ea typeface="Agrandir"/>
+                <a:cs typeface="Agrandir"/>
+                <a:sym typeface="Agrandir"/>
+              </a:rPr>
+              <a:t>Архитектура системы</a:t>
+            </a:r>
+            <a:endParaRPr lang="en-US" sz="11500" u="none" strike="noStrike" spc="-300" dirty="0">
+              <a:solidFill>
+                <a:srgbClr val="F4A530"/>
+              </a:solidFill>
+              <a:latin typeface="Manrope" pitchFamily="2" charset="0"/>
+              <a:ea typeface="Agrandir"/>
+              <a:cs typeface="Agrandir"/>
+              <a:sym typeface="Agrandir"/>
+            </a:endParaRPr>
+          </a:p>
+        </p:txBody>
+      </p:sp>
     </p:spTree>
     <p:extLst>
       <p:ext uri="{BB962C8B-B14F-4D97-AF65-F5344CB8AC3E}">
@@ -9592,13 +9270,13 @@
   <p:clrMapOvr>
     <a:masterClrMapping/>
   </p:clrMapOvr>
-  <mc:AlternateContent xmlns:mc="http://schemas.openxmlformats.org/markup-compatibility/2006">
-    <mc:Choice xmlns:p14="http://schemas.microsoft.com/office/powerpoint/2010/main" Requires="p14">
+  <mc:AlternateContent xmlns:mc="http://schemas.openxmlformats.org/markup-compatibility/2006" xmlns:p14="http://schemas.microsoft.com/office/powerpoint/2010/main">
+    <mc:Choice Requires="p14">
       <p:transition p14:dur="300">
         <p14:pan/>
       </p:transition>
     </mc:Choice>
-    <mc:Fallback>
+    <mc:Fallback xmlns="">
       <p:transition>
         <p:fade/>
       </p:transition>
@@ -9610,14 +9288,6 @@
 <file path=ppt/slides/slide8.xml><?xml version="1.0" encoding="utf-8"?>
 <p:sld xmlns:a="http://schemas.openxmlformats.org/drawingml/2006/main" xmlns:r="http://schemas.openxmlformats.org/officeDocument/2006/relationships" xmlns:p="http://schemas.openxmlformats.org/presentationml/2006/main">
   <p:cSld>
-    <p:bg>
-      <p:bgPr>
-        <a:solidFill>
-          <a:srgbClr val="EBEBEB"/>
-        </a:solidFill>
-        <a:effectLst/>
-      </p:bgPr>
-    </p:bg>
     <p:spTree>
       <p:nvGrpSpPr>
         <p:cNvPr id="1" name="">
@@ -9676,7 +9346,7 @@
             <a:r>
               <a:rPr lang="ru-RU" sz="11500" spc="-650" dirty="0">
                 <a:solidFill>
-                  <a:srgbClr val="1524A7"/>
+                  <a:srgbClr val="F4A530"/>
                 </a:solidFill>
                 <a:latin typeface="Manrope" pitchFamily="2" charset="0"/>
                 <a:ea typeface="Agrandir"/>
@@ -9687,7 +9357,7 @@
             </a:r>
             <a:endParaRPr lang="en-US" sz="11500" u="none" strike="noStrike" spc="-650" dirty="0">
               <a:solidFill>
-                <a:srgbClr val="1524A7"/>
+                <a:srgbClr val="F4A530"/>
               </a:solidFill>
               <a:latin typeface="Manrope" pitchFamily="2" charset="0"/>
               <a:ea typeface="Agrandir"/>
@@ -10574,7 +10244,7 @@
             <a:fld id="{B6F15528-21DE-4FAA-801E-634DDDAF4B2B}" type="slidenum">
               <a:rPr lang="en-US" sz="6600" smtClean="0">
                 <a:solidFill>
-                  <a:srgbClr val="3946BE"/>
+                  <a:srgbClr val="F4A530"/>
                 </a:solidFill>
                 <a:latin typeface="Manrope ExtraBold" pitchFamily="2" charset="0"/>
               </a:rPr>
@@ -10584,7 +10254,7 @@
             <a:r>
               <a:rPr lang="en-US" sz="6600" dirty="0">
                 <a:solidFill>
-                  <a:srgbClr val="3946BE"/>
+                  <a:srgbClr val="F4A530"/>
                 </a:solidFill>
                 <a:latin typeface="Manrope ExtraBold" pitchFamily="2" charset="0"/>
               </a:rPr>
@@ -10593,7 +10263,7 @@
             <a:r>
               <a:rPr lang="ru-RU" sz="6600" dirty="0">
                 <a:solidFill>
-                  <a:srgbClr val="3946BE"/>
+                  <a:srgbClr val="F4A530"/>
                 </a:solidFill>
                 <a:latin typeface="Manrope ExtraBold" pitchFamily="2" charset="0"/>
               </a:rPr>
@@ -10601,7 +10271,7 @@
             </a:r>
             <a:endParaRPr lang="en-US" sz="6600" dirty="0">
               <a:solidFill>
-                <a:srgbClr val="3946BE"/>
+                <a:srgbClr val="F4A530"/>
               </a:solidFill>
               <a:latin typeface="Manrope ExtraBold" pitchFamily="2" charset="0"/>
             </a:endParaRPr>
@@ -10618,13 +10288,13 @@
   <p:clrMapOvr>
     <a:masterClrMapping/>
   </p:clrMapOvr>
-  <mc:AlternateContent xmlns:mc="http://schemas.openxmlformats.org/markup-compatibility/2006">
-    <mc:Choice xmlns:p14="http://schemas.microsoft.com/office/powerpoint/2010/main" Requires="p14">
+  <mc:AlternateContent xmlns:mc="http://schemas.openxmlformats.org/markup-compatibility/2006" xmlns:p14="http://schemas.microsoft.com/office/powerpoint/2010/main">
+    <mc:Choice Requires="p14">
       <p:transition p14:dur="300">
         <p14:pan/>
       </p:transition>
     </mc:Choice>
-    <mc:Fallback>
+    <mc:Fallback xmlns="">
       <p:transition>
         <p:fade/>
       </p:transition>
@@ -10636,14 +10306,6 @@
 <file path=ppt/slides/slide9.xml><?xml version="1.0" encoding="utf-8"?>
 <p:sld xmlns:a="http://schemas.openxmlformats.org/drawingml/2006/main" xmlns:r="http://schemas.openxmlformats.org/officeDocument/2006/relationships" xmlns:p="http://schemas.openxmlformats.org/presentationml/2006/main">
   <p:cSld>
-    <p:bg>
-      <p:bgPr>
-        <a:solidFill>
-          <a:srgbClr val="EBEBEB"/>
-        </a:solidFill>
-        <a:effectLst/>
-      </p:bgPr>
-    </p:bg>
     <p:spTree>
       <p:nvGrpSpPr>
         <p:cNvPr id="1" name=""/>
@@ -10690,7 +10352,7 @@
             <a:r>
               <a:rPr lang="ru-RU" sz="11500" spc="-650" dirty="0">
                 <a:solidFill>
-                  <a:srgbClr val="1524A7"/>
+                  <a:srgbClr val="F4A530"/>
                 </a:solidFill>
                 <a:latin typeface="Manrope" pitchFamily="2" charset="0"/>
                 <a:ea typeface="Agrandir"/>
@@ -10710,72 +10372,6 @@
                 <a:sym typeface="Agrandir"/>
               </a:rPr>
               <a:t> </a:t>
-            </a:r>
-          </a:p>
-        </p:txBody>
-      </p:sp>
-      <p:sp>
-        <p:nvSpPr>
-          <p:cNvPr id="3" name="TextBox 3"/>
-          <p:cNvSpPr txBox="1"/>
-          <p:nvPr/>
-        </p:nvSpPr>
-        <p:spPr>
-          <a:xfrm>
-            <a:off x="665280" y="7926347"/>
-            <a:ext cx="6150467" cy="813043"/>
-          </a:xfrm>
-          <a:prstGeom prst="rect">
-            <a:avLst/>
-          </a:prstGeom>
-        </p:spPr>
-        <p:txBody>
-          <a:bodyPr lIns="0" tIns="0" rIns="0" bIns="0" rtlCol="0" anchor="t">
-            <a:spAutoFit/>
-          </a:bodyPr>
-          <a:lstStyle/>
-          <a:p>
-            <a:pPr marL="0" lvl="0" indent="0" algn="l">
-              <a:lnSpc>
-                <a:spcPts val="3300"/>
-              </a:lnSpc>
-              <a:spcBef>
-                <a:spcPct val="0"/>
-              </a:spcBef>
-            </a:pPr>
-            <a:r>
-              <a:rPr lang="ru-RU" sz="2200" spc="72" dirty="0">
-                <a:solidFill>
-                  <a:srgbClr val="212121"/>
-                </a:solidFill>
-                <a:latin typeface="Aileron"/>
-                <a:ea typeface="Aileron"/>
-                <a:cs typeface="Aileron"/>
-                <a:sym typeface="Aileron"/>
-              </a:rPr>
-              <a:t>Поставленные цели достигнуты</a:t>
-            </a:r>
-          </a:p>
-          <a:p>
-            <a:pPr marL="0" lvl="0" indent="0" algn="l">
-              <a:lnSpc>
-                <a:spcPts val="3300"/>
-              </a:lnSpc>
-              <a:spcBef>
-                <a:spcPct val="0"/>
-              </a:spcBef>
-            </a:pPr>
-            <a:r>
-              <a:rPr lang="ru-RU" sz="2200" u="none" strike="noStrike" spc="72" dirty="0">
-                <a:solidFill>
-                  <a:srgbClr val="212121"/>
-                </a:solidFill>
-                <a:latin typeface="Aileron"/>
-                <a:ea typeface="Aileron"/>
-                <a:cs typeface="Aileron"/>
-                <a:sym typeface="Aileron"/>
-              </a:rPr>
-              <a:t>Все молодцы всё такое</a:t>
             </a:r>
           </a:p>
         </p:txBody>
@@ -10845,63 +10441,90 @@
       </p:sp>
       <p:pic>
         <p:nvPicPr>
-          <p:cNvPr id="1026" name="Picture 2" descr="May be a meme of text that says &quot;СПАСИБО ЗА ВНИМАНИЕ если есть вопросы загуглите&quot;">
+          <p:cNvPr id="10" name="Picture 9" descr="A cat with a white background&#10;&#10;AI-generated content may be incorrect.">
             <a:extLst>
               <a:ext uri="{FF2B5EF4-FFF2-40B4-BE49-F238E27FC236}">
-                <a16:creationId xmlns:a16="http://schemas.microsoft.com/office/drawing/2014/main" id="{9B80937E-FF00-F32E-152F-A78DC5EC7845}"/>
+                <a16:creationId xmlns:a16="http://schemas.microsoft.com/office/drawing/2014/main" id="{3DCBCBA1-4E56-527D-18AE-A9A389A2A089}"/>
               </a:ext>
             </a:extLst>
           </p:cNvPr>
           <p:cNvPicPr>
-            <a:picLocks noChangeAspect="1" noChangeArrowheads="1"/>
+            <a:picLocks noChangeAspect="1"/>
           </p:cNvPicPr>
           <p:nvPr/>
         </p:nvPicPr>
         <p:blipFill>
-          <a:blip r:embed="rId2">
-            <a:extLst>
-              <a:ext uri="{28A0092B-C50C-407E-A947-70E740481C1C}">
-                <a14:useLocalDpi xmlns:a14="http://schemas.microsoft.com/office/drawing/2010/main" val="0"/>
-              </a:ext>
-            </a:extLst>
-          </a:blip>
-          <a:srcRect/>
+          <a:blip r:embed="rId2"/>
           <a:stretch>
             <a:fillRect/>
           </a:stretch>
         </p:blipFill>
-        <p:spPr bwMode="auto">
-          <a:xfrm>
-            <a:off x="5715001" y="1658490"/>
-            <a:ext cx="6858000" cy="6970020"/>
+        <p:spPr>
+          <a:xfrm>
+            <a:off x="8839200" y="266700"/>
+            <a:ext cx="10125000" cy="10287000"/>
           </a:xfrm>
           <a:prstGeom prst="rect">
             <a:avLst/>
           </a:prstGeom>
-          <a:noFill/>
-          <a:extLst>
-            <a:ext uri="{909E8E84-426E-40DD-AFC4-6F175D3DCCD1}">
-              <a14:hiddenFill xmlns:a14="http://schemas.microsoft.com/office/drawing/2010/main">
-                <a:solidFill>
-                  <a:srgbClr val="FFFFFF"/>
-                </a:solidFill>
-              </a14:hiddenFill>
-            </a:ext>
-          </a:extLst>
         </p:spPr>
       </p:pic>
+      <p:sp>
+        <p:nvSpPr>
+          <p:cNvPr id="11" name="TextBox 3">
+            <a:extLst>
+              <a:ext uri="{FF2B5EF4-FFF2-40B4-BE49-F238E27FC236}">
+                <a16:creationId xmlns:a16="http://schemas.microsoft.com/office/drawing/2014/main" id="{4B088FF8-AB1A-9641-D161-3EECAC2E7037}"/>
+              </a:ext>
+            </a:extLst>
+          </p:cNvPr>
+          <p:cNvSpPr txBox="1"/>
+          <p:nvPr/>
+        </p:nvSpPr>
+        <p:spPr>
+          <a:xfrm>
+            <a:off x="365236" y="2188845"/>
+            <a:ext cx="9235964" cy="1477328"/>
+          </a:xfrm>
+          <a:prstGeom prst="rect">
+            <a:avLst/>
+          </a:prstGeom>
+          <a:solidFill>
+            <a:srgbClr val="010E1D">
+              <a:alpha val="21000"/>
+            </a:srgbClr>
+          </a:solidFill>
+        </p:spPr>
+        <p:txBody>
+          <a:bodyPr wrap="square" lIns="0" tIns="0" rIns="0" bIns="0" rtlCol="0" anchor="t">
+            <a:spAutoFit/>
+          </a:bodyPr>
+          <a:lstStyle/>
+          <a:p>
+            <a:r>
+              <a:rPr lang="ru-RU" sz="4800" dirty="0">
+                <a:solidFill>
+                  <a:schemeClr val="bg1"/>
+                </a:solidFill>
+                <a:latin typeface="Manrope Light" pitchFamily="2" charset="0"/>
+              </a:rPr>
+              <a:t>Поставленные цели и задачи выполненыв</a:t>
+            </a:r>
+          </a:p>
+        </p:txBody>
+      </p:sp>
     </p:spTree>
   </p:cSld>
   <p:clrMapOvr>
     <a:masterClrMapping/>
   </p:clrMapOvr>
-  <mc:AlternateContent xmlns:mc="http://schemas.openxmlformats.org/markup-compatibility/2006">
-    <mc:Choice xmlns:p14="http://schemas.microsoft.com/office/powerpoint/2010/main" Requires="p14">
+  <mc:AlternateContent xmlns:mc="http://schemas.openxmlformats.org/markup-compatibility/2006" xmlns:p14="http://schemas.microsoft.com/office/powerpoint/2010/main">
+    <mc:Choice Requires="p14">
       <p:transition p14:dur="300">
         <p14:pan/>
       </p:transition>
     </mc:Choice>
-    <mc:Fallback>
+    <mc:Fallback xmlns="">
       <p:transition>
         <p:fade/>
       </p:transition>
